--- a/apresentacao/ApresentaçãoFisico.pptx
+++ b/apresentacao/ApresentaçãoFisico.pptx
@@ -5,7 +5,7 @@
     <p:sldMasterId id="2147483648" r:id="rId1"/>
   </p:sldMasterIdLst>
   <p:notesMasterIdLst>
-    <p:notesMasterId r:id="rId9"/>
+    <p:notesMasterId r:id="rId10"/>
   </p:notesMasterIdLst>
   <p:sldIdLst>
     <p:sldId id="256" r:id="rId4"/>
@@ -13,6 +13,7 @@
     <p:sldId id="258" r:id="rId6"/>
     <p:sldId id="259" r:id="rId7"/>
     <p:sldId id="260" r:id="rId8"/>
+    <p:sldId id="261" r:id="rId9"/>
   </p:sldIdLst>
   <p:sldSz cx="12192000" cy="6858000"/>
   <p:notesSz cx="6858000" cy="9144000"/>
@@ -647,7 +648,7 @@
             <a:pPr>
               <a:defRPr/>
             </a:pPr>
-            <a:fld id="{8211E258-B921-3051-E193-6971B468F906}" type="slidenum">
+            <a:fld id="{3BF7A309-EDA4-0BA2-8D43-3BAD9B038316}" type="slidenum">
               <a:rPr/>
               <a:t/>
             </a:fld>
@@ -729,7 +730,7 @@
             <a:pPr>
               <a:defRPr/>
             </a:pPr>
-            <a:fld id="{A163EF0A-D23A-07B7-72F2-90C27A8DD680}" type="slidenum">
+            <a:fld id="{8211E258-B921-3051-E193-6971B468F906}" type="slidenum">
               <a:rPr/>
               <a:t/>
             </a:fld>
@@ -811,7 +812,7 @@
             <a:pPr>
               <a:defRPr/>
             </a:pPr>
-            <a:fld id="{45EC2554-C248-607C-07B6-7B4A64057C5E}" type="slidenum">
+            <a:fld id="{A163EF0A-D23A-07B7-72F2-90C27A8DD680}" type="slidenum">
               <a:rPr/>
               <a:t/>
             </a:fld>
@@ -893,7 +894,7 @@
             <a:pPr>
               <a:defRPr/>
             </a:pPr>
-            <a:fld id="{EE99A46F-5A95-81D8-99CA-A53ED2FAC601}" type="slidenum">
+            <a:fld id="{45EC2554-C248-607C-07B6-7B4A64057C5E}" type="slidenum">
               <a:rPr/>
               <a:t/>
             </a:fld>
@@ -906,9 +907,9 @@
 </p:notes>
 </file>
 
-<file path=ppt/slideLayouts/slideLayout1.xml><?xml version="1.0" encoding="utf-8"?>
-<p:sldLayout xmlns:a="http://schemas.openxmlformats.org/drawingml/2006/main" xmlns:r="http://schemas.openxmlformats.org/officeDocument/2006/relationships" xmlns:p="http://schemas.openxmlformats.org/presentationml/2006/main" xmlns:m="http://schemas.openxmlformats.org/officeDocument/2006/math" xmlns:w="http://schemas.openxmlformats.org/wordprocessingml/2006/main" matchingName="" preserve="1" showMasterPhAnim="0" type="title" userDrawn="1">
-  <p:cSld name="Diapositivo de título">
+<file path=ppt/notesSlides/notesSlide6.xml><?xml version="1.0" encoding="utf-8"?>
+<p:notes xmlns:a="http://schemas.openxmlformats.org/drawingml/2006/main" xmlns:r="http://schemas.openxmlformats.org/officeDocument/2006/relationships" xmlns:p="http://schemas.openxmlformats.org/presentationml/2006/main" xmlns:m="http://schemas.openxmlformats.org/officeDocument/2006/math" xmlns:w="http://schemas.openxmlformats.org/wordprocessingml/2006/main">
+  <p:cSld name="">
     <p:spTree>
       <p:nvGrpSpPr>
         <p:cNvPr id="1" name=""/>
@@ -925,192 +926,72 @@
       </p:grpSpPr>
       <p:sp>
         <p:nvSpPr>
-          <p:cNvPr id="2" name="Título 1"/>
-          <p:cNvSpPr>
-            <a:spLocks noGrp="1"/>
-          </p:cNvSpPr>
-          <p:nvPr>
-            <p:ph type="ctrTitle"/>
-          </p:nvPr>
-        </p:nvSpPr>
-        <p:spPr bwMode="auto">
-          <a:xfrm>
-            <a:off x="1524000" y="1122363"/>
-            <a:ext cx="9144000" cy="2387600"/>
-          </a:xfrm>
-        </p:spPr>
-        <p:txBody>
-          <a:bodyPr anchor="b"/>
-          <a:lstStyle>
-            <a:lvl1pPr algn="ctr">
-              <a:defRPr sz="6000"/>
-            </a:lvl1pPr>
-          </a:lstStyle>
-          <a:p>
-            <a:pPr>
-              <a:defRPr/>
-            </a:pPr>
-            <a:r>
-              <a:rPr lang="pt-BR"/>
-              <a:t>Clique para editar o estilo</a:t>
-            </a:r>
-            <a:endParaRPr lang="pt-BR"/>
-          </a:p>
-        </p:txBody>
-      </p:sp>
-      <p:sp>
-        <p:nvSpPr>
-          <p:cNvPr id="3" name="Subtítulo 2"/>
-          <p:cNvSpPr>
-            <a:spLocks noGrp="1"/>
-          </p:cNvSpPr>
-          <p:nvPr>
-            <p:ph type="subTitle" idx="1"/>
-          </p:nvPr>
-        </p:nvSpPr>
-        <p:spPr bwMode="auto">
-          <a:xfrm>
-            <a:off x="1524000" y="3602038"/>
-            <a:ext cx="9144000" cy="1655762"/>
-          </a:xfrm>
-        </p:spPr>
-        <p:txBody>
-          <a:bodyPr/>
-          <a:lstStyle>
-            <a:lvl1pPr marL="0" indent="0" algn="ctr">
-              <a:buNone/>
-              <a:defRPr sz="2400"/>
-            </a:lvl1pPr>
-            <a:lvl2pPr marL="457200" indent="0" algn="ctr">
-              <a:buNone/>
-              <a:defRPr sz="2000"/>
-            </a:lvl2pPr>
-            <a:lvl3pPr marL="914400" indent="0" algn="ctr">
-              <a:buNone/>
-              <a:defRPr sz="1800"/>
-            </a:lvl3pPr>
-            <a:lvl4pPr marL="1371600" indent="0" algn="ctr">
-              <a:buNone/>
-              <a:defRPr sz="1600"/>
-            </a:lvl4pPr>
-            <a:lvl5pPr marL="1828800" indent="0" algn="ctr">
-              <a:buNone/>
-              <a:defRPr sz="1600"/>
-            </a:lvl5pPr>
-            <a:lvl6pPr marL="2286000" indent="0" algn="ctr">
-              <a:buNone/>
-              <a:defRPr sz="1600"/>
-            </a:lvl6pPr>
-            <a:lvl7pPr marL="2743200" indent="0" algn="ctr">
-              <a:buNone/>
-              <a:defRPr sz="1600"/>
-            </a:lvl7pPr>
-            <a:lvl8pPr marL="3200400" indent="0" algn="ctr">
-              <a:buNone/>
-              <a:defRPr sz="1600"/>
-            </a:lvl8pPr>
-            <a:lvl9pPr marL="3657600" indent="0" algn="ctr">
-              <a:buNone/>
-              <a:defRPr sz="1600"/>
-            </a:lvl9pPr>
-          </a:lstStyle>
-          <a:p>
-            <a:pPr>
-              <a:defRPr/>
-            </a:pPr>
-            <a:r>
-              <a:rPr lang="pt-BR"/>
-              <a:t>Faça clique para editar o estilo</a:t>
-            </a:r>
-            <a:endParaRPr lang="pt-BR"/>
-          </a:p>
-        </p:txBody>
-      </p:sp>
-      <p:sp>
-        <p:nvSpPr>
-          <p:cNvPr id="4" name="Marcador de Posição da Data 3"/>
-          <p:cNvSpPr>
-            <a:spLocks noGrp="1"/>
-          </p:cNvSpPr>
-          <p:nvPr>
-            <p:ph type="dt" sz="half" idx="10"/>
-          </p:nvPr>
-        </p:nvSpPr>
-        <p:spPr bwMode="auto"/>
-        <p:txBody>
-          <a:bodyPr/>
-          <a:lstStyle/>
-          <a:p>
-            <a:pPr>
-              <a:defRPr/>
-            </a:pPr>
-            <a:fld id="{BCC18F51-09EC-435C-A3BA-64A766E099C0}" type="datetimeFigureOut">
-              <a:rPr lang="pt-BR"/>
-              <a:t>30.10.2013</a:t>
+          <p:cNvPr id="2" name="Slide Image Placeholder 1"/>
+          <p:cNvSpPr>
+            <a:spLocks noChangeAspect="1" noGrp="1" noRot="1"/>
+          </p:cNvSpPr>
+          <p:nvPr>
+            <p:ph type="sldImg"/>
+          </p:nvPr>
+        </p:nvSpPr>
+        <p:spPr bwMode="auto"/>
+      </p:sp>
+      <p:sp>
+        <p:nvSpPr>
+          <p:cNvPr id="3" name="Notes Placeholder 2"/>
+          <p:cNvSpPr>
+            <a:spLocks noGrp="1"/>
+          </p:cNvSpPr>
+          <p:nvPr>
+            <p:ph type="body" idx="1"/>
+          </p:nvPr>
+        </p:nvSpPr>
+        <p:spPr bwMode="auto"/>
+        <p:txBody>
+          <a:bodyPr/>
+          <a:lstStyle/>
+          <a:p>
+            <a:pPr>
+              <a:defRPr/>
+            </a:pPr>
+            <a:endParaRPr/>
+          </a:p>
+        </p:txBody>
+      </p:sp>
+      <p:sp>
+        <p:nvSpPr>
+          <p:cNvPr id="4" name="Slide Number Placeholder 3"/>
+          <p:cNvSpPr>
+            <a:spLocks noGrp="1"/>
+          </p:cNvSpPr>
+          <p:nvPr>
+            <p:ph type="sldNum" sz="quarter" idx="10"/>
+          </p:nvPr>
+        </p:nvSpPr>
+        <p:spPr bwMode="auto"/>
+        <p:txBody>
+          <a:bodyPr/>
+          <a:lstStyle/>
+          <a:p>
+            <a:pPr>
+              <a:defRPr/>
+            </a:pPr>
+            <a:fld id="{EE99A46F-5A95-81D8-99CA-A53ED2FAC601}" type="slidenum">
+              <a:rPr/>
+              <a:t/>
             </a:fld>
-            <a:endParaRPr lang="pt-BR"/>
-          </a:p>
-        </p:txBody>
-      </p:sp>
-      <p:sp>
-        <p:nvSpPr>
-          <p:cNvPr id="5" name="Marcador de Posição do Rodapé 4"/>
-          <p:cNvSpPr>
-            <a:spLocks noGrp="1"/>
-          </p:cNvSpPr>
-          <p:nvPr>
-            <p:ph type="ftr" sz="quarter" idx="11"/>
-          </p:nvPr>
-        </p:nvSpPr>
-        <p:spPr bwMode="auto"/>
-        <p:txBody>
-          <a:bodyPr/>
-          <a:lstStyle/>
-          <a:p>
-            <a:pPr>
-              <a:defRPr/>
-            </a:pPr>
-            <a:endParaRPr lang="pt-BR"/>
-          </a:p>
-        </p:txBody>
-      </p:sp>
-      <p:sp>
-        <p:nvSpPr>
-          <p:cNvPr id="6" name="Marcador de Posição do Número do Diapositivo 5"/>
-          <p:cNvSpPr>
-            <a:spLocks noGrp="1"/>
-          </p:cNvSpPr>
-          <p:nvPr>
-            <p:ph type="sldNum" sz="quarter" idx="12"/>
-          </p:nvPr>
-        </p:nvSpPr>
-        <p:spPr bwMode="auto"/>
-        <p:txBody>
-          <a:bodyPr/>
-          <a:lstStyle/>
-          <a:p>
-            <a:pPr>
-              <a:defRPr/>
-            </a:pPr>
-            <a:fld id="{08395586-F03A-48D1-94DF-16B239DF4FB5}" type="slidenum">
-              <a:rPr lang="pt-BR"/>
-              <a:t>‹#›</a:t>
-            </a:fld>
-            <a:endParaRPr lang="pt-BR"/>
+            <a:endParaRPr/>
           </a:p>
         </p:txBody>
       </p:sp>
     </p:spTree>
   </p:cSld>
-  <p:clrMapOvr>
-    <a:masterClrMapping/>
-  </p:clrMapOvr>
-</p:sldLayout>
+</p:notes>
 </file>
 
-<file path=ppt/slideLayouts/slideLayout10.xml><?xml version="1.0" encoding="utf-8"?>
-<p:sldLayout xmlns:a="http://schemas.openxmlformats.org/drawingml/2006/main" xmlns:r="http://schemas.openxmlformats.org/officeDocument/2006/relationships" xmlns:p="http://schemas.openxmlformats.org/presentationml/2006/main" xmlns:m="http://schemas.openxmlformats.org/officeDocument/2006/math" xmlns:w="http://schemas.openxmlformats.org/wordprocessingml/2006/main" matchingName="" preserve="1" showMasterPhAnim="0" type="vertTx" userDrawn="1">
-  <p:cSld name="Título e texto vertical">
+<file path=ppt/slideLayouts/slideLayout1.xml><?xml version="1.0" encoding="utf-8"?>
+<p:sldLayout xmlns:a="http://schemas.openxmlformats.org/drawingml/2006/main" xmlns:r="http://schemas.openxmlformats.org/officeDocument/2006/relationships" xmlns:p="http://schemas.openxmlformats.org/presentationml/2006/main" xmlns:m="http://schemas.openxmlformats.org/officeDocument/2006/math" xmlns:w="http://schemas.openxmlformats.org/wordprocessingml/2006/main" matchingName="" preserve="0" showMasterPhAnim="0" showMasterSp="0" type="title" userDrawn="1">
+  <p:cSld name="Title Slide">
     <p:spTree>
       <p:nvGrpSpPr>
         <p:cNvPr id="1" name=""/>
@@ -1127,99 +1008,586 @@
       </p:grpSpPr>
       <p:sp>
         <p:nvSpPr>
-          <p:cNvPr id="2" name="Título 1"/>
-          <p:cNvSpPr>
-            <a:spLocks noGrp="1"/>
-          </p:cNvSpPr>
-          <p:nvPr>
-            <p:ph type="title"/>
-          </p:nvPr>
-        </p:nvSpPr>
-        <p:spPr bwMode="auto"/>
-        <p:txBody>
-          <a:bodyPr/>
-          <a:lstStyle/>
-          <a:p>
-            <a:pPr>
-              <a:defRPr/>
-            </a:pPr>
-            <a:r>
-              <a:rPr lang="pt-BR"/>
-              <a:t>Clique para editar o estilo</a:t>
-            </a:r>
-            <a:endParaRPr lang="pt-BR"/>
-          </a:p>
-        </p:txBody>
-      </p:sp>
-      <p:sp>
-        <p:nvSpPr>
-          <p:cNvPr id="3" name="Marcador de Posição de Texto Vertical 2"/>
-          <p:cNvSpPr>
-            <a:spLocks noGrp="1"/>
-          </p:cNvSpPr>
-          <p:nvPr>
-            <p:ph type="body" orient="vert" idx="1"/>
-          </p:nvPr>
-        </p:nvSpPr>
-        <p:spPr bwMode="auto"/>
-        <p:txBody>
-          <a:bodyPr vert="eaVert"/>
-          <a:lstStyle/>
-          <a:p>
-            <a:pPr lvl="0">
-              <a:defRPr/>
-            </a:pPr>
-            <a:r>
-              <a:rPr lang="pt-BR"/>
-              <a:t>Clique para editar os estilos</a:t>
-            </a:r>
-            <a:endParaRPr/>
-          </a:p>
-          <a:p>
-            <a:pPr lvl="1">
-              <a:defRPr/>
-            </a:pPr>
-            <a:r>
-              <a:rPr lang="pt-BR"/>
-              <a:t>Segundo nível</a:t>
-            </a:r>
-            <a:endParaRPr/>
-          </a:p>
-          <a:p>
-            <a:pPr lvl="2">
-              <a:defRPr/>
-            </a:pPr>
-            <a:r>
-              <a:rPr lang="pt-BR"/>
-              <a:t>Terceiro nível</a:t>
-            </a:r>
-            <a:endParaRPr/>
-          </a:p>
-          <a:p>
-            <a:pPr lvl="3">
-              <a:defRPr/>
-            </a:pPr>
-            <a:r>
-              <a:rPr lang="pt-BR"/>
-              <a:t>Quarto nível</a:t>
-            </a:r>
-            <a:endParaRPr/>
-          </a:p>
-          <a:p>
-            <a:pPr lvl="4">
-              <a:defRPr/>
-            </a:pPr>
-            <a:r>
-              <a:rPr lang="pt-BR"/>
-              <a:t>Quinto nível</a:t>
-            </a:r>
-            <a:endParaRPr lang="pt-BR"/>
-          </a:p>
-        </p:txBody>
-      </p:sp>
-      <p:sp>
-        <p:nvSpPr>
-          <p:cNvPr id="4" name="Marcador de Posição da Data 3"/>
+          <p:cNvPr id="13" name="Shape 1059"/>
+          <p:cNvSpPr>
+            <a:spLocks noChangeArrowheads="1" noGrp="1"/>
+          </p:cNvSpPr>
+          <p:nvPr userDrawn="1"/>
+        </p:nvSpPr>
+        <p:spPr bwMode="auto">
+          <a:xfrm>
+            <a:off x="2396066" y="2291401"/>
+            <a:ext cx="5452533" cy="4165115"/>
+          </a:xfrm>
+          <a:custGeom>
+            <a:avLst/>
+            <a:gdLst/>
+            <a:ahLst/>
+            <a:cxnLst/>
+            <a:rect l="l" t="t" r="r" b="b"/>
+            <a:pathLst>
+              <a:path w="43200" h="43200" fill="norm" stroke="0" extrusionOk="0">
+                <a:moveTo>
+                  <a:pt x="22112" y="3116"/>
+                </a:moveTo>
+                <a:lnTo>
+                  <a:pt x="22112" y="3116"/>
+                </a:lnTo>
+                <a:cubicBezTo>
+                  <a:pt x="22112" y="3116"/>
+                  <a:pt x="27356" y="0"/>
+                  <a:pt x="30300" y="4263"/>
+                </a:cubicBezTo>
+                <a:lnTo>
+                  <a:pt x="30300" y="4263"/>
+                </a:lnTo>
+                <a:cubicBezTo>
+                  <a:pt x="33277" y="8577"/>
+                  <a:pt x="36666" y="13779"/>
+                  <a:pt x="39369" y="17410"/>
+                </a:cubicBezTo>
+                <a:lnTo>
+                  <a:pt x="39369" y="17410"/>
+                </a:lnTo>
+                <a:cubicBezTo>
+                  <a:pt x="41761" y="20624"/>
+                  <a:pt x="43200" y="22708"/>
+                  <a:pt x="40979" y="26940"/>
+                </a:cubicBezTo>
+                <a:lnTo>
+                  <a:pt x="40979" y="26940"/>
+                </a:lnTo>
+                <a:cubicBezTo>
+                  <a:pt x="39655" y="29461"/>
+                  <a:pt x="35076" y="35072"/>
+                  <a:pt x="32639" y="38623"/>
+                </a:cubicBezTo>
+                <a:lnTo>
+                  <a:pt x="32639" y="38623"/>
+                </a:lnTo>
+                <a:cubicBezTo>
+                  <a:pt x="30200" y="42175"/>
+                  <a:pt x="26202" y="43200"/>
+                  <a:pt x="23268" y="42185"/>
+                </a:cubicBezTo>
+                <a:lnTo>
+                  <a:pt x="23268" y="42185"/>
+                </a:lnTo>
+                <a:cubicBezTo>
+                  <a:pt x="20331" y="41168"/>
+                  <a:pt x="11584" y="38623"/>
+                  <a:pt x="6213" y="36974"/>
+                </a:cubicBezTo>
+                <a:lnTo>
+                  <a:pt x="6213" y="36974"/>
+                </a:lnTo>
+                <a:cubicBezTo>
+                  <a:pt x="1431" y="35502"/>
+                  <a:pt x="0" y="32900"/>
+                  <a:pt x="214" y="31157"/>
+                </a:cubicBezTo>
+                <a:lnTo>
+                  <a:pt x="214" y="31157"/>
+                </a:lnTo>
+                <a:cubicBezTo>
+                  <a:pt x="760" y="26703"/>
+                  <a:pt x="1113" y="19920"/>
+                  <a:pt x="1214" y="16042"/>
+                </a:cubicBezTo>
+                <a:lnTo>
+                  <a:pt x="1214" y="16042"/>
+                </a:lnTo>
+                <a:cubicBezTo>
+                  <a:pt x="1303" y="12626"/>
+                  <a:pt x="4203" y="11313"/>
+                  <a:pt x="6907" y="9989"/>
+                </a:cubicBezTo>
+                <a:lnTo>
+                  <a:pt x="6907" y="9989"/>
+                </a:lnTo>
+                <a:cubicBezTo>
+                  <a:pt x="9245" y="8843"/>
+                  <a:pt x="19774" y="4261"/>
+                  <a:pt x="22112" y="3116"/>
+                </a:cubicBezTo>
+                <a:close/>
+              </a:path>
+            </a:pathLst>
+          </a:custGeom>
+          <a:solidFill>
+            <a:schemeClr val="bg1">
+              <a:lumMod val="85000"/>
+            </a:schemeClr>
+          </a:solidFill>
+          <a:ln w="9524">
+            <a:solidFill>
+              <a:srgbClr val="000000"/>
+            </a:solidFill>
+            <a:round/>
+            <a:headEnd/>
+            <a:tailEnd/>
+          </a:ln>
+        </p:spPr>
+      </p:sp>
+      <p:sp>
+        <p:nvSpPr>
+          <p:cNvPr id="14" name="Shape 1060"/>
+          <p:cNvSpPr>
+            <a:spLocks noChangeArrowheads="1" noGrp="1"/>
+          </p:cNvSpPr>
+          <p:nvPr userDrawn="1"/>
+        </p:nvSpPr>
+        <p:spPr bwMode="auto">
+          <a:xfrm>
+            <a:off x="1309514" y="1839834"/>
+            <a:ext cx="4011787" cy="1314325"/>
+          </a:xfrm>
+          <a:custGeom>
+            <a:avLst/>
+            <a:gdLst/>
+            <a:ahLst/>
+            <a:cxnLst/>
+            <a:rect l="l" t="t" r="r" b="b"/>
+            <a:pathLst>
+              <a:path w="43200" h="43200" fill="norm" stroke="0" extrusionOk="0">
+                <a:moveTo>
+                  <a:pt x="40162" y="13104"/>
+                </a:moveTo>
+                <a:lnTo>
+                  <a:pt x="40162" y="13104"/>
+                </a:lnTo>
+                <a:cubicBezTo>
+                  <a:pt x="36799" y="16736"/>
+                  <a:pt x="26204" y="28154"/>
+                  <a:pt x="22676" y="31251"/>
+                </a:cubicBezTo>
+                <a:lnTo>
+                  <a:pt x="22676" y="31251"/>
+                </a:lnTo>
+                <a:cubicBezTo>
+                  <a:pt x="18513" y="34899"/>
+                  <a:pt x="15093" y="37527"/>
+                  <a:pt x="13136" y="38511"/>
+                </a:cubicBezTo>
+                <a:lnTo>
+                  <a:pt x="13136" y="38511"/>
+                </a:lnTo>
+                <a:cubicBezTo>
+                  <a:pt x="10861" y="39650"/>
+                  <a:pt x="0" y="43200"/>
+                  <a:pt x="422" y="38511"/>
+                </a:cubicBezTo>
+                <a:lnTo>
+                  <a:pt x="422" y="38511"/>
+                </a:lnTo>
+                <a:cubicBezTo>
+                  <a:pt x="750" y="34836"/>
+                  <a:pt x="12785" y="17028"/>
+                  <a:pt x="15584" y="14358"/>
+                </a:cubicBezTo>
+                <a:lnTo>
+                  <a:pt x="15584" y="14358"/>
+                </a:lnTo>
+                <a:cubicBezTo>
+                  <a:pt x="18382" y="11693"/>
+                  <a:pt x="34508" y="0"/>
+                  <a:pt x="36286" y="2133"/>
+                </a:cubicBezTo>
+                <a:lnTo>
+                  <a:pt x="36286" y="2133"/>
+                </a:lnTo>
+                <a:cubicBezTo>
+                  <a:pt x="38064" y="4272"/>
+                  <a:pt x="43200" y="9825"/>
+                  <a:pt x="40162" y="13104"/>
+                </a:cubicBezTo>
+                <a:close/>
+              </a:path>
+            </a:pathLst>
+          </a:custGeom>
+          <a:solidFill>
+            <a:schemeClr val="bg1">
+              <a:lumMod val="85000"/>
+            </a:schemeClr>
+          </a:solidFill>
+          <a:ln w="9524">
+            <a:solidFill>
+              <a:srgbClr val="000000"/>
+            </a:solidFill>
+            <a:round/>
+            <a:headEnd/>
+            <a:tailEnd/>
+          </a:ln>
+        </p:spPr>
+      </p:sp>
+      <p:sp>
+        <p:nvSpPr>
+          <p:cNvPr id="15" name="Shape 1061"/>
+          <p:cNvSpPr>
+            <a:spLocks noChangeArrowheads="1" noGrp="1"/>
+          </p:cNvSpPr>
+          <p:nvPr userDrawn="1"/>
+        </p:nvSpPr>
+        <p:spPr bwMode="auto">
+          <a:xfrm>
+            <a:off x="6567031" y="4629133"/>
+            <a:ext cx="5395523" cy="2231707"/>
+          </a:xfrm>
+          <a:custGeom>
+            <a:avLst/>
+            <a:gdLst/>
+            <a:ahLst/>
+            <a:cxnLst/>
+            <a:rect l="l" t="t" r="r" b="b"/>
+            <a:pathLst>
+              <a:path w="43200" h="43200" fill="norm" stroke="0" extrusionOk="0">
+                <a:moveTo>
+                  <a:pt x="43200" y="43200"/>
+                </a:moveTo>
+                <a:lnTo>
+                  <a:pt x="43200" y="43200"/>
+                </a:lnTo>
+                <a:cubicBezTo>
+                  <a:pt x="42680" y="32337"/>
+                  <a:pt x="42264" y="24810"/>
+                  <a:pt x="41982" y="22533"/>
+                </a:cubicBezTo>
+                <a:lnTo>
+                  <a:pt x="41982" y="22533"/>
+                </a:lnTo>
+                <a:cubicBezTo>
+                  <a:pt x="41353" y="17445"/>
+                  <a:pt x="31020" y="10782"/>
+                  <a:pt x="25434" y="7567"/>
+                </a:cubicBezTo>
+                <a:lnTo>
+                  <a:pt x="25434" y="7567"/>
+                </a:lnTo>
+                <a:cubicBezTo>
+                  <a:pt x="20461" y="4707"/>
+                  <a:pt x="15752" y="0"/>
+                  <a:pt x="10688" y="12771"/>
+                </a:cubicBezTo>
+                <a:lnTo>
+                  <a:pt x="10688" y="12771"/>
+                </a:lnTo>
+                <a:cubicBezTo>
+                  <a:pt x="5409" y="26085"/>
+                  <a:pt x="2329" y="33891"/>
+                  <a:pt x="451" y="39632"/>
+                </a:cubicBezTo>
+                <a:lnTo>
+                  <a:pt x="451" y="39632"/>
+                </a:lnTo>
+                <a:cubicBezTo>
+                  <a:pt x="180" y="40459"/>
+                  <a:pt x="44" y="41820"/>
+                  <a:pt x="0" y="43200"/>
+                </a:cubicBezTo>
+                <a:lnTo>
+                  <a:pt x="43200" y="43200"/>
+                </a:lnTo>
+                <a:close/>
+              </a:path>
+            </a:pathLst>
+          </a:custGeom>
+          <a:solidFill>
+            <a:schemeClr val="bg1">
+              <a:lumMod val="85000"/>
+            </a:schemeClr>
+          </a:solidFill>
+          <a:ln w="9524">
+            <a:solidFill>
+              <a:srgbClr val="000000"/>
+            </a:solidFill>
+            <a:round/>
+            <a:headEnd/>
+            <a:tailEnd/>
+          </a:ln>
+        </p:spPr>
+      </p:sp>
+      <p:sp>
+        <p:nvSpPr>
+          <p:cNvPr id="16" name="Shape 1062"/>
+          <p:cNvSpPr>
+            <a:spLocks noChangeArrowheads="1" noGrp="1"/>
+          </p:cNvSpPr>
+          <p:nvPr userDrawn="1"/>
+        </p:nvSpPr>
+        <p:spPr bwMode="auto">
+          <a:xfrm>
+            <a:off x="389187" y="6100774"/>
+            <a:ext cx="4968521" cy="759999"/>
+          </a:xfrm>
+          <a:custGeom>
+            <a:avLst/>
+            <a:gdLst/>
+            <a:ahLst/>
+            <a:cxnLst/>
+            <a:rect l="l" t="t" r="r" b="b"/>
+            <a:pathLst>
+              <a:path w="43200" h="43200" fill="norm" stroke="0" extrusionOk="0">
+                <a:moveTo>
+                  <a:pt x="43200" y="43200"/>
+                </a:moveTo>
+                <a:lnTo>
+                  <a:pt x="43200" y="43200"/>
+                </a:lnTo>
+                <a:cubicBezTo>
+                  <a:pt x="37750" y="34083"/>
+                  <a:pt x="28707" y="20178"/>
+                  <a:pt x="28707" y="20178"/>
+                </a:cubicBezTo>
+                <a:lnTo>
+                  <a:pt x="28707" y="20178"/>
+                </a:lnTo>
+                <a:cubicBezTo>
+                  <a:pt x="23196" y="11772"/>
+                  <a:pt x="17935" y="0"/>
+                  <a:pt x="14588" y="1341"/>
+                </a:cubicBezTo>
+                <a:lnTo>
+                  <a:pt x="14588" y="1341"/>
+                </a:lnTo>
+                <a:cubicBezTo>
+                  <a:pt x="11240" y="2673"/>
+                  <a:pt x="6350" y="22671"/>
+                  <a:pt x="1602" y="37718"/>
+                </a:cubicBezTo>
+                <a:lnTo>
+                  <a:pt x="1602" y="37718"/>
+                </a:lnTo>
+                <a:cubicBezTo>
+                  <a:pt x="1072" y="39393"/>
+                  <a:pt x="536" y="41175"/>
+                  <a:pt x="0" y="43200"/>
+                </a:cubicBezTo>
+                <a:lnTo>
+                  <a:pt x="43200" y="43200"/>
+                </a:lnTo>
+                <a:close/>
+              </a:path>
+            </a:pathLst>
+          </a:custGeom>
+          <a:solidFill>
+            <a:schemeClr val="bg1">
+              <a:lumMod val="85000"/>
+            </a:schemeClr>
+          </a:solidFill>
+          <a:ln w="9524">
+            <a:solidFill>
+              <a:srgbClr val="000000"/>
+            </a:solidFill>
+            <a:round/>
+            <a:headEnd/>
+            <a:tailEnd/>
+          </a:ln>
+        </p:spPr>
+      </p:sp>
+      <p:sp>
+        <p:nvSpPr>
+          <p:cNvPr id="17" name="Shape 1063"/>
+          <p:cNvSpPr>
+            <a:spLocks noChangeArrowheads="1" noGrp="1"/>
+          </p:cNvSpPr>
+          <p:nvPr userDrawn="1"/>
+        </p:nvSpPr>
+        <p:spPr bwMode="auto">
+          <a:xfrm>
+            <a:off x="0" y="3254701"/>
+            <a:ext cx="2099733" cy="3343682"/>
+          </a:xfrm>
+          <a:custGeom>
+            <a:avLst/>
+            <a:gdLst/>
+            <a:ahLst/>
+            <a:cxnLst/>
+            <a:rect l="l" t="t" r="r" b="b"/>
+            <a:pathLst>
+              <a:path w="43200" h="43200" fill="norm" stroke="0" extrusionOk="0">
+                <a:moveTo>
+                  <a:pt x="0" y="43200"/>
+                </a:moveTo>
+                <a:lnTo>
+                  <a:pt x="0" y="43200"/>
+                </a:lnTo>
+                <a:cubicBezTo>
+                  <a:pt x="10450" y="39319"/>
+                  <a:pt x="26476" y="34991"/>
+                  <a:pt x="31760" y="32779"/>
+                </a:cubicBezTo>
+                <a:lnTo>
+                  <a:pt x="31760" y="32779"/>
+                </a:lnTo>
+                <a:cubicBezTo>
+                  <a:pt x="38554" y="29929"/>
+                  <a:pt x="35982" y="23868"/>
+                  <a:pt x="39587" y="11934"/>
+                </a:cubicBezTo>
+                <a:lnTo>
+                  <a:pt x="39587" y="11934"/>
+                </a:lnTo>
+                <a:cubicBezTo>
+                  <a:pt x="43199" y="0"/>
+                  <a:pt x="33409" y="2565"/>
+                  <a:pt x="25082" y="2041"/>
+                </a:cubicBezTo>
+                <a:lnTo>
+                  <a:pt x="25082" y="2041"/>
+                </a:lnTo>
+                <a:cubicBezTo>
+                  <a:pt x="14497" y="1374"/>
+                  <a:pt x="7053" y="4621"/>
+                  <a:pt x="0" y="7243"/>
+                </a:cubicBezTo>
+                <a:lnTo>
+                  <a:pt x="0" y="43200"/>
+                </a:lnTo>
+                <a:close/>
+              </a:path>
+            </a:pathLst>
+          </a:custGeom>
+          <a:solidFill>
+            <a:schemeClr val="bg1">
+              <a:lumMod val="85000"/>
+            </a:schemeClr>
+          </a:solidFill>
+          <a:ln w="9524">
+            <a:solidFill>
+              <a:srgbClr val="000000"/>
+            </a:solidFill>
+            <a:round/>
+            <a:headEnd/>
+            <a:tailEnd/>
+          </a:ln>
+        </p:spPr>
+      </p:sp>
+      <p:sp>
+        <p:nvSpPr>
+          <p:cNvPr id="3" name="Подзаголовок 2"/>
+          <p:cNvSpPr>
+            <a:spLocks noGrp="1"/>
+          </p:cNvSpPr>
+          <p:nvPr>
+            <p:ph type="subTitle" idx="1"/>
+          </p:nvPr>
+        </p:nvSpPr>
+        <p:spPr bwMode="auto">
+          <a:xfrm>
+            <a:off x="4655839" y="2708919"/>
+            <a:ext cx="6720746" cy="720079"/>
+          </a:xfrm>
+        </p:spPr>
+        <p:txBody>
+          <a:bodyPr/>
+          <a:lstStyle>
+            <a:lvl1pPr marL="0" indent="0" algn="r">
+              <a:buNone/>
+              <a:defRPr>
+                <a:solidFill>
+                  <a:schemeClr val="tx1">
+                    <a:lumMod val="50000"/>
+                    <a:lumOff val="50000"/>
+                  </a:schemeClr>
+                </a:solidFill>
+              </a:defRPr>
+            </a:lvl1pPr>
+            <a:lvl2pPr marL="457200" indent="0" algn="ctr">
+              <a:buNone/>
+              <a:defRPr>
+                <a:solidFill>
+                  <a:schemeClr val="tx1">
+                    <a:tint val="75000"/>
+                  </a:schemeClr>
+                </a:solidFill>
+              </a:defRPr>
+            </a:lvl2pPr>
+            <a:lvl3pPr marL="914400" indent="0" algn="ctr">
+              <a:buNone/>
+              <a:defRPr>
+                <a:solidFill>
+                  <a:schemeClr val="tx1">
+                    <a:tint val="75000"/>
+                  </a:schemeClr>
+                </a:solidFill>
+              </a:defRPr>
+            </a:lvl3pPr>
+            <a:lvl4pPr marL="1371600" indent="0" algn="ctr">
+              <a:buNone/>
+              <a:defRPr>
+                <a:solidFill>
+                  <a:schemeClr val="tx1">
+                    <a:tint val="75000"/>
+                  </a:schemeClr>
+                </a:solidFill>
+              </a:defRPr>
+            </a:lvl4pPr>
+            <a:lvl5pPr marL="1828800" indent="0" algn="ctr">
+              <a:buNone/>
+              <a:defRPr>
+                <a:solidFill>
+                  <a:schemeClr val="tx1">
+                    <a:tint val="75000"/>
+                  </a:schemeClr>
+                </a:solidFill>
+              </a:defRPr>
+            </a:lvl5pPr>
+            <a:lvl6pPr marL="2286000" indent="0" algn="ctr">
+              <a:buNone/>
+              <a:defRPr>
+                <a:solidFill>
+                  <a:schemeClr val="tx1">
+                    <a:tint val="75000"/>
+                  </a:schemeClr>
+                </a:solidFill>
+              </a:defRPr>
+            </a:lvl6pPr>
+            <a:lvl7pPr marL="2743200" indent="0" algn="ctr">
+              <a:buNone/>
+              <a:defRPr>
+                <a:solidFill>
+                  <a:schemeClr val="tx1">
+                    <a:tint val="75000"/>
+                  </a:schemeClr>
+                </a:solidFill>
+              </a:defRPr>
+            </a:lvl7pPr>
+            <a:lvl8pPr marL="3200400" indent="0" algn="ctr">
+              <a:buNone/>
+              <a:defRPr>
+                <a:solidFill>
+                  <a:schemeClr val="tx1">
+                    <a:tint val="75000"/>
+                  </a:schemeClr>
+                </a:solidFill>
+              </a:defRPr>
+            </a:lvl8pPr>
+            <a:lvl9pPr marL="3657600" indent="0" algn="ctr">
+              <a:buNone/>
+              <a:defRPr>
+                <a:solidFill>
+                  <a:schemeClr val="tx1">
+                    <a:tint val="75000"/>
+                  </a:schemeClr>
+                </a:solidFill>
+              </a:defRPr>
+            </a:lvl9pPr>
+          </a:lstStyle>
+          <a:p>
+            <a:pPr>
+              <a:defRPr/>
+            </a:pPr>
+            <a:r>
+              <a:rPr/>
+              <a:t>Образец подзаголовка</a:t>
+            </a:r>
+            <a:endParaRPr/>
+          </a:p>
+        </p:txBody>
+      </p:sp>
+      <p:sp>
+        <p:nvSpPr>
+          <p:cNvPr id="4" name="Дата 3"/>
           <p:cNvSpPr>
             <a:spLocks noGrp="1"/>
           </p:cNvSpPr>
@@ -1235,17 +1603,17 @@
             <a:pPr>
               <a:defRPr/>
             </a:pPr>
-            <a:fld id="{BCC18F51-09EC-435C-A3BA-64A766E099C0}" type="datetimeFigureOut">
-              <a:rPr lang="pt-BR"/>
-              <a:t>30.10.2013</a:t>
+            <a:fld id="{A69D51E0-3758-456B-809F-07B187805C7D}" type="datetimeFigureOut">
+              <a:rPr/>
+              <a:t>22.10.2013</a:t>
             </a:fld>
-            <a:endParaRPr lang="pt-BR"/>
-          </a:p>
-        </p:txBody>
-      </p:sp>
-      <p:sp>
-        <p:nvSpPr>
-          <p:cNvPr id="5" name="Marcador de Posição do Rodapé 4"/>
+            <a:endParaRPr/>
+          </a:p>
+        </p:txBody>
+      </p:sp>
+      <p:sp>
+        <p:nvSpPr>
+          <p:cNvPr id="5" name="Нижний колонтитул 4"/>
           <p:cNvSpPr>
             <a:spLocks noGrp="1"/>
           </p:cNvSpPr>
@@ -1261,13 +1629,13 @@
             <a:pPr>
               <a:defRPr/>
             </a:pPr>
-            <a:endParaRPr lang="pt-BR"/>
-          </a:p>
-        </p:txBody>
-      </p:sp>
-      <p:sp>
-        <p:nvSpPr>
-          <p:cNvPr id="6" name="Marcador de Posição do Número do Diapositivo 5"/>
+            <a:endParaRPr/>
+          </a:p>
+        </p:txBody>
+      </p:sp>
+      <p:sp>
+        <p:nvSpPr>
+          <p:cNvPr id="6" name="Номер слайда 5"/>
           <p:cNvSpPr>
             <a:spLocks noGrp="1"/>
           </p:cNvSpPr>
@@ -1283,11 +1651,46 @@
             <a:pPr>
               <a:defRPr/>
             </a:pPr>
-            <a:fld id="{08395586-F03A-48D1-94DF-16B239DF4FB5}" type="slidenum">
-              <a:rPr lang="pt-BR"/>
+            <a:fld id="{4D3B38E7-149F-4D77-9EEF-9309C2CB69A9}" type="slidenum">
+              <a:rPr/>
               <a:t>‹#›</a:t>
             </a:fld>
-            <a:endParaRPr lang="pt-BR"/>
+            <a:endParaRPr/>
+          </a:p>
+        </p:txBody>
+      </p:sp>
+      <p:sp>
+        <p:nvSpPr>
+          <p:cNvPr id="7" name="Заголовок 6"/>
+          <p:cNvSpPr>
+            <a:spLocks noGrp="1"/>
+          </p:cNvSpPr>
+          <p:nvPr>
+            <p:ph type="title"/>
+          </p:nvPr>
+        </p:nvSpPr>
+        <p:spPr bwMode="auto">
+          <a:xfrm>
+            <a:off x="4595833" y="1808820"/>
+            <a:ext cx="6720746" cy="720079"/>
+          </a:xfrm>
+        </p:spPr>
+        <p:txBody>
+          <a:bodyPr/>
+          <a:lstStyle>
+            <a:lvl1pPr algn="r">
+              <a:defRPr/>
+            </a:lvl1pPr>
+          </a:lstStyle>
+          <a:p>
+            <a:pPr>
+              <a:defRPr/>
+            </a:pPr>
+            <a:r>
+              <a:rPr/>
+              <a:t>Образец заголовка</a:t>
+            </a:r>
+            <a:endParaRPr/>
           </a:p>
         </p:txBody>
       </p:sp>
@@ -1299,9 +1702,9 @@
 </p:sldLayout>
 </file>
 
-<file path=ppt/slideLayouts/slideLayout11.xml><?xml version="1.0" encoding="utf-8"?>
-<p:sldLayout xmlns:a="http://schemas.openxmlformats.org/drawingml/2006/main" xmlns:r="http://schemas.openxmlformats.org/officeDocument/2006/relationships" xmlns:p="http://schemas.openxmlformats.org/presentationml/2006/main" xmlns:m="http://schemas.openxmlformats.org/officeDocument/2006/math" xmlns:w="http://schemas.openxmlformats.org/wordprocessingml/2006/main" matchingName="" preserve="1" showMasterPhAnim="0" type="vertTitleAndTx" userDrawn="1">
-  <p:cSld name="Título vertical e texto">
+<file path=ppt/slideLayouts/slideLayout10.xml><?xml version="1.0" encoding="utf-8"?>
+<p:sldLayout xmlns:a="http://schemas.openxmlformats.org/drawingml/2006/main" xmlns:r="http://schemas.openxmlformats.org/officeDocument/2006/relationships" xmlns:p="http://schemas.openxmlformats.org/presentationml/2006/main" xmlns:m="http://schemas.openxmlformats.org/officeDocument/2006/math" xmlns:w="http://schemas.openxmlformats.org/wordprocessingml/2006/main" matchingName="" preserve="0" showMasterPhAnim="0" type="vertTx" userDrawn="1">
+  <p:cSld name="Title and Vertical Text">
     <p:spTree>
       <p:nvGrpSpPr>
         <p:cNvPr id="1" name=""/>
@@ -1318,61 +1721,51 @@
       </p:grpSpPr>
       <p:sp>
         <p:nvSpPr>
-          <p:cNvPr id="2" name="Título Vertical 1"/>
-          <p:cNvSpPr>
-            <a:spLocks noGrp="1"/>
-          </p:cNvSpPr>
-          <p:nvPr>
-            <p:ph type="title" orient="vert"/>
-          </p:nvPr>
-        </p:nvSpPr>
-        <p:spPr bwMode="auto">
-          <a:xfrm>
-            <a:off x="8724900" y="365125"/>
-            <a:ext cx="2628900" cy="5811838"/>
-          </a:xfrm>
-        </p:spPr>
+          <p:cNvPr id="2" name="Заголовок 1"/>
+          <p:cNvSpPr>
+            <a:spLocks noGrp="1"/>
+          </p:cNvSpPr>
+          <p:nvPr>
+            <p:ph type="title"/>
+          </p:nvPr>
+        </p:nvSpPr>
+        <p:spPr bwMode="auto"/>
+        <p:txBody>
+          <a:bodyPr/>
+          <a:lstStyle/>
+          <a:p>
+            <a:pPr>
+              <a:defRPr/>
+            </a:pPr>
+            <a:r>
+              <a:rPr/>
+              <a:t>Образец заголовка</a:t>
+            </a:r>
+            <a:endParaRPr/>
+          </a:p>
+        </p:txBody>
+      </p:sp>
+      <p:sp>
+        <p:nvSpPr>
+          <p:cNvPr id="3" name="Вертикальный текст 2"/>
+          <p:cNvSpPr>
+            <a:spLocks noGrp="1"/>
+          </p:cNvSpPr>
+          <p:nvPr>
+            <p:ph type="body" orient="vert" idx="1"/>
+          </p:nvPr>
+        </p:nvSpPr>
+        <p:spPr bwMode="auto"/>
         <p:txBody>
           <a:bodyPr vert="eaVert"/>
           <a:lstStyle/>
           <a:p>
-            <a:pPr>
-              <a:defRPr/>
-            </a:pPr>
-            <a:r>
-              <a:rPr lang="pt-BR"/>
-              <a:t>Clique para editar o estilo</a:t>
-            </a:r>
-            <a:endParaRPr lang="pt-BR"/>
-          </a:p>
-        </p:txBody>
-      </p:sp>
-      <p:sp>
-        <p:nvSpPr>
-          <p:cNvPr id="3" name="Marcador de Posição de Texto Vertical 2"/>
-          <p:cNvSpPr>
-            <a:spLocks noGrp="1"/>
-          </p:cNvSpPr>
-          <p:nvPr>
-            <p:ph type="body" orient="vert" idx="1"/>
-          </p:nvPr>
-        </p:nvSpPr>
-        <p:spPr bwMode="auto">
-          <a:xfrm>
-            <a:off x="838200" y="365125"/>
-            <a:ext cx="7734300" cy="5811838"/>
-          </a:xfrm>
-        </p:spPr>
-        <p:txBody>
-          <a:bodyPr vert="eaVert"/>
-          <a:lstStyle/>
-          <a:p>
             <a:pPr lvl="0">
               <a:defRPr/>
             </a:pPr>
             <a:r>
-              <a:rPr lang="pt-BR"/>
-              <a:t>Clique para editar os estilos</a:t>
+              <a:rPr/>
+              <a:t>Образец текста</a:t>
             </a:r>
             <a:endParaRPr/>
           </a:p>
@@ -1381,8 +1774,8 @@
               <a:defRPr/>
             </a:pPr>
             <a:r>
-              <a:rPr lang="pt-BR"/>
-              <a:t>Segundo nível</a:t>
+              <a:rPr/>
+              <a:t>Второй уровень</a:t>
             </a:r>
             <a:endParaRPr/>
           </a:p>
@@ -1391,8 +1784,8 @@
               <a:defRPr/>
             </a:pPr>
             <a:r>
-              <a:rPr lang="pt-BR"/>
-              <a:t>Terceiro nível</a:t>
+              <a:rPr/>
+              <a:t>Третий уровень</a:t>
             </a:r>
             <a:endParaRPr/>
           </a:p>
@@ -1401,8 +1794,8 @@
               <a:defRPr/>
             </a:pPr>
             <a:r>
-              <a:rPr lang="pt-BR"/>
-              <a:t>Quarto nível</a:t>
+              <a:rPr/>
+              <a:t>Четвертый уровень</a:t>
             </a:r>
             <a:endParaRPr/>
           </a:p>
@@ -1411,16 +1804,16 @@
               <a:defRPr/>
             </a:pPr>
             <a:r>
-              <a:rPr lang="pt-BR"/>
-              <a:t>Quinto nível</a:t>
-            </a:r>
-            <a:endParaRPr lang="pt-BR"/>
-          </a:p>
-        </p:txBody>
-      </p:sp>
-      <p:sp>
-        <p:nvSpPr>
-          <p:cNvPr id="4" name="Marcador de Posição da Data 3"/>
+              <a:rPr/>
+              <a:t>Пятый уровень</a:t>
+            </a:r>
+            <a:endParaRPr/>
+          </a:p>
+        </p:txBody>
+      </p:sp>
+      <p:sp>
+        <p:nvSpPr>
+          <p:cNvPr id="4" name="Дата 3"/>
           <p:cNvSpPr>
             <a:spLocks noGrp="1"/>
           </p:cNvSpPr>
@@ -1436,17 +1829,17 @@
             <a:pPr>
               <a:defRPr/>
             </a:pPr>
-            <a:fld id="{BCC18F51-09EC-435C-A3BA-64A766E099C0}" type="datetimeFigureOut">
-              <a:rPr lang="pt-BR"/>
-              <a:t>30.10.2013</a:t>
+            <a:fld id="{A69D51E0-3758-456B-809F-07B187805C7D}" type="datetimeFigureOut">
+              <a:rPr/>
+              <a:t>22.10.2013</a:t>
             </a:fld>
-            <a:endParaRPr lang="pt-BR"/>
-          </a:p>
-        </p:txBody>
-      </p:sp>
-      <p:sp>
-        <p:nvSpPr>
-          <p:cNvPr id="5" name="Marcador de Posição do Rodapé 4"/>
+            <a:endParaRPr/>
+          </a:p>
+        </p:txBody>
+      </p:sp>
+      <p:sp>
+        <p:nvSpPr>
+          <p:cNvPr id="5" name="Нижний колонтитул 4"/>
           <p:cNvSpPr>
             <a:spLocks noGrp="1"/>
           </p:cNvSpPr>
@@ -1462,13 +1855,13 @@
             <a:pPr>
               <a:defRPr/>
             </a:pPr>
-            <a:endParaRPr lang="pt-BR"/>
-          </a:p>
-        </p:txBody>
-      </p:sp>
-      <p:sp>
-        <p:nvSpPr>
-          <p:cNvPr id="6" name="Marcador de Posição do Número do Diapositivo 5"/>
+            <a:endParaRPr/>
+          </a:p>
+        </p:txBody>
+      </p:sp>
+      <p:sp>
+        <p:nvSpPr>
+          <p:cNvPr id="6" name="Номер слайда 5"/>
           <p:cNvSpPr>
             <a:spLocks noGrp="1"/>
           </p:cNvSpPr>
@@ -1484,11 +1877,11 @@
             <a:pPr>
               <a:defRPr/>
             </a:pPr>
-            <a:fld id="{08395586-F03A-48D1-94DF-16B239DF4FB5}" type="slidenum">
-              <a:rPr lang="pt-BR"/>
+            <a:fld id="{4D3B38E7-149F-4D77-9EEF-9309C2CB69A9}" type="slidenum">
+              <a:rPr/>
               <a:t>‹#›</a:t>
             </a:fld>
-            <a:endParaRPr lang="pt-BR"/>
+            <a:endParaRPr/>
           </a:p>
         </p:txBody>
       </p:sp>
@@ -1500,9 +1893,9 @@
 </p:sldLayout>
 </file>
 
-<file path=ppt/slideLayouts/slideLayout2.xml><?xml version="1.0" encoding="utf-8"?>
-<p:sldLayout xmlns:a="http://schemas.openxmlformats.org/drawingml/2006/main" xmlns:r="http://schemas.openxmlformats.org/officeDocument/2006/relationships" xmlns:p="http://schemas.openxmlformats.org/presentationml/2006/main" xmlns:m="http://schemas.openxmlformats.org/officeDocument/2006/math" xmlns:w="http://schemas.openxmlformats.org/wordprocessingml/2006/main" matchingName="" preserve="1" showMasterPhAnim="0" type="obj" userDrawn="1">
-  <p:cSld name="Título e objecto">
+<file path=ppt/slideLayouts/slideLayout11.xml><?xml version="1.0" encoding="utf-8"?>
+<p:sldLayout xmlns:a="http://schemas.openxmlformats.org/drawingml/2006/main" xmlns:r="http://schemas.openxmlformats.org/officeDocument/2006/relationships" xmlns:p="http://schemas.openxmlformats.org/presentationml/2006/main" xmlns:m="http://schemas.openxmlformats.org/officeDocument/2006/math" xmlns:w="http://schemas.openxmlformats.org/wordprocessingml/2006/main" matchingName="" preserve="0" showMasterPhAnim="0" type="vertTitleAndTx" userDrawn="1">
+  <p:cSld name="Vertical Title and Text">
     <p:spTree>
       <p:nvGrpSpPr>
         <p:cNvPr id="1" name=""/>
@@ -1519,51 +1912,65 @@
       </p:grpSpPr>
       <p:sp>
         <p:nvSpPr>
-          <p:cNvPr id="2" name="Título 1"/>
-          <p:cNvSpPr>
-            <a:spLocks noGrp="1"/>
-          </p:cNvSpPr>
-          <p:nvPr>
-            <p:ph type="title"/>
-          </p:nvPr>
-        </p:nvSpPr>
-        <p:spPr bwMode="auto"/>
-        <p:txBody>
-          <a:bodyPr/>
-          <a:lstStyle/>
-          <a:p>
-            <a:pPr>
-              <a:defRPr/>
-            </a:pPr>
-            <a:r>
-              <a:rPr lang="pt-BR"/>
-              <a:t>Clique para editar o estilo</a:t>
-            </a:r>
-            <a:endParaRPr lang="pt-BR"/>
-          </a:p>
-        </p:txBody>
-      </p:sp>
-      <p:sp>
-        <p:nvSpPr>
-          <p:cNvPr id="3" name="Marcador de Posição de Conteúdo 2"/>
-          <p:cNvSpPr>
-            <a:spLocks noGrp="1"/>
-          </p:cNvSpPr>
-          <p:nvPr>
-            <p:ph idx="1"/>
-          </p:nvPr>
-        </p:nvSpPr>
-        <p:spPr bwMode="auto"/>
-        <p:txBody>
-          <a:bodyPr/>
+          <p:cNvPr id="2" name="Вертикальный заголовок 1"/>
+          <p:cNvSpPr>
+            <a:spLocks noGrp="1"/>
+          </p:cNvSpPr>
+          <p:nvPr>
+            <p:ph type="title" orient="vert"/>
+          </p:nvPr>
+        </p:nvSpPr>
+        <p:spPr bwMode="auto">
+          <a:xfrm>
+            <a:off x="8839199" y="274639"/>
+            <a:ext cx="2743200" cy="5851525"/>
+          </a:xfrm>
+        </p:spPr>
+        <p:txBody>
+          <a:bodyPr vert="eaVert"/>
+          <a:lstStyle>
+            <a:lvl1pPr algn="ctr">
+              <a:defRPr/>
+            </a:lvl1pPr>
+          </a:lstStyle>
+          <a:p>
+            <a:pPr>
+              <a:defRPr/>
+            </a:pPr>
+            <a:r>
+              <a:rPr/>
+              <a:t>Образец заголовка</a:t>
+            </a:r>
+            <a:endParaRPr/>
+          </a:p>
+        </p:txBody>
+      </p:sp>
+      <p:sp>
+        <p:nvSpPr>
+          <p:cNvPr id="3" name="Вертикальный текст 2"/>
+          <p:cNvSpPr>
+            <a:spLocks noGrp="1"/>
+          </p:cNvSpPr>
+          <p:nvPr>
+            <p:ph type="body" orient="vert" idx="1"/>
+          </p:nvPr>
+        </p:nvSpPr>
+        <p:spPr bwMode="auto">
+          <a:xfrm>
+            <a:off x="609599" y="274639"/>
+            <a:ext cx="8026399" cy="5851525"/>
+          </a:xfrm>
+        </p:spPr>
+        <p:txBody>
+          <a:bodyPr vert="eaVert"/>
           <a:lstStyle/>
           <a:p>
             <a:pPr lvl="0">
               <a:defRPr/>
             </a:pPr>
             <a:r>
-              <a:rPr lang="pt-BR"/>
-              <a:t>Clique para editar os estilos</a:t>
+              <a:rPr/>
+              <a:t>Образец текста</a:t>
             </a:r>
             <a:endParaRPr/>
           </a:p>
@@ -1572,8 +1979,8 @@
               <a:defRPr/>
             </a:pPr>
             <a:r>
-              <a:rPr lang="pt-BR"/>
-              <a:t>Segundo nível</a:t>
+              <a:rPr/>
+              <a:t>Второй уровень</a:t>
             </a:r>
             <a:endParaRPr/>
           </a:p>
@@ -1582,8 +1989,8 @@
               <a:defRPr/>
             </a:pPr>
             <a:r>
-              <a:rPr lang="pt-BR"/>
-              <a:t>Terceiro nível</a:t>
+              <a:rPr/>
+              <a:t>Третий уровень</a:t>
             </a:r>
             <a:endParaRPr/>
           </a:p>
@@ -1592,8 +1999,8 @@
               <a:defRPr/>
             </a:pPr>
             <a:r>
-              <a:rPr lang="pt-BR"/>
-              <a:t>Quarto nível</a:t>
+              <a:rPr/>
+              <a:t>Четвертый уровень</a:t>
             </a:r>
             <a:endParaRPr/>
           </a:p>
@@ -1602,16 +2009,16 @@
               <a:defRPr/>
             </a:pPr>
             <a:r>
-              <a:rPr lang="pt-BR"/>
-              <a:t>Quinto nível</a:t>
-            </a:r>
-            <a:endParaRPr lang="pt-BR"/>
-          </a:p>
-        </p:txBody>
-      </p:sp>
-      <p:sp>
-        <p:nvSpPr>
-          <p:cNvPr id="4" name="Marcador de Posição da Data 3"/>
+              <a:rPr/>
+              <a:t>Пятый уровень</a:t>
+            </a:r>
+            <a:endParaRPr/>
+          </a:p>
+        </p:txBody>
+      </p:sp>
+      <p:sp>
+        <p:nvSpPr>
+          <p:cNvPr id="4" name="Дата 3"/>
           <p:cNvSpPr>
             <a:spLocks noGrp="1"/>
           </p:cNvSpPr>
@@ -1627,17 +2034,17 @@
             <a:pPr>
               <a:defRPr/>
             </a:pPr>
-            <a:fld id="{BCC18F51-09EC-435C-A3BA-64A766E099C0}" type="datetimeFigureOut">
-              <a:rPr lang="pt-BR"/>
-              <a:t>30.10.2013</a:t>
+            <a:fld id="{A69D51E0-3758-456B-809F-07B187805C7D}" type="datetimeFigureOut">
+              <a:rPr/>
+              <a:t>22.10.2013</a:t>
             </a:fld>
-            <a:endParaRPr lang="pt-BR"/>
-          </a:p>
-        </p:txBody>
-      </p:sp>
-      <p:sp>
-        <p:nvSpPr>
-          <p:cNvPr id="5" name="Marcador de Posição do Rodapé 4"/>
+            <a:endParaRPr/>
+          </a:p>
+        </p:txBody>
+      </p:sp>
+      <p:sp>
+        <p:nvSpPr>
+          <p:cNvPr id="5" name="Нижний колонтитул 4"/>
           <p:cNvSpPr>
             <a:spLocks noGrp="1"/>
           </p:cNvSpPr>
@@ -1653,13 +2060,13 @@
             <a:pPr>
               <a:defRPr/>
             </a:pPr>
-            <a:endParaRPr lang="pt-BR"/>
-          </a:p>
-        </p:txBody>
-      </p:sp>
-      <p:sp>
-        <p:nvSpPr>
-          <p:cNvPr id="6" name="Marcador de Posição do Número do Diapositivo 5"/>
+            <a:endParaRPr/>
+          </a:p>
+        </p:txBody>
+      </p:sp>
+      <p:sp>
+        <p:nvSpPr>
+          <p:cNvPr id="6" name="Номер слайда 5"/>
           <p:cNvSpPr>
             <a:spLocks noGrp="1"/>
           </p:cNvSpPr>
@@ -1675,11 +2082,11 @@
             <a:pPr>
               <a:defRPr/>
             </a:pPr>
-            <a:fld id="{08395586-F03A-48D1-94DF-16B239DF4FB5}" type="slidenum">
-              <a:rPr lang="pt-BR"/>
+            <a:fld id="{4D3B38E7-149F-4D77-9EEF-9309C2CB69A9}" type="slidenum">
+              <a:rPr/>
               <a:t>‹#›</a:t>
             </a:fld>
-            <a:endParaRPr lang="pt-BR"/>
+            <a:endParaRPr/>
           </a:p>
         </p:txBody>
       </p:sp>
@@ -1691,9 +2098,9 @@
 </p:sldLayout>
 </file>
 
-<file path=ppt/slideLayouts/slideLayout3.xml><?xml version="1.0" encoding="utf-8"?>
-<p:sldLayout xmlns:a="http://schemas.openxmlformats.org/drawingml/2006/main" xmlns:r="http://schemas.openxmlformats.org/officeDocument/2006/relationships" xmlns:p="http://schemas.openxmlformats.org/presentationml/2006/main" xmlns:m="http://schemas.openxmlformats.org/officeDocument/2006/math" xmlns:w="http://schemas.openxmlformats.org/wordprocessingml/2006/main" matchingName="" preserve="1" showMasterPhAnim="0" type="secHead" userDrawn="1">
-  <p:cSld name="Cabeçalho da Secção">
+<file path=ppt/slideLayouts/slideLayout2.xml><?xml version="1.0" encoding="utf-8"?>
+<p:sldLayout xmlns:a="http://schemas.openxmlformats.org/drawingml/2006/main" xmlns:r="http://schemas.openxmlformats.org/officeDocument/2006/relationships" xmlns:p="http://schemas.openxmlformats.org/presentationml/2006/main" xmlns:m="http://schemas.openxmlformats.org/officeDocument/2006/math" xmlns:w="http://schemas.openxmlformats.org/wordprocessingml/2006/main" matchingName="" preserve="0" showMasterPhAnim="0" type="obj" userDrawn="1">
+  <p:cSld name="Title and Content">
     <p:spTree>
       <p:nvGrpSpPr>
         <p:cNvPr id="1" name=""/>
@@ -1710,7 +2117,7 @@
       </p:grpSpPr>
       <p:sp>
         <p:nvSpPr>
-          <p:cNvPr id="2" name="Título 1"/>
+          <p:cNvPr id="2" name="Заголовок 1"/>
           <p:cNvSpPr>
             <a:spLocks noGrp="1"/>
           </p:cNvSpPr>
@@ -1718,156 +2125,91 @@
             <p:ph type="title"/>
           </p:nvPr>
         </p:nvSpPr>
-        <p:spPr bwMode="auto">
-          <a:xfrm>
-            <a:off x="831850" y="1709738"/>
-            <a:ext cx="10515600" cy="2852737"/>
-          </a:xfrm>
-        </p:spPr>
-        <p:txBody>
-          <a:bodyPr anchor="b"/>
-          <a:lstStyle>
-            <a:lvl1pPr>
-              <a:defRPr sz="6000"/>
-            </a:lvl1pPr>
-          </a:lstStyle>
-          <a:p>
-            <a:pPr>
-              <a:defRPr/>
-            </a:pPr>
-            <a:r>
-              <a:rPr lang="pt-BR"/>
-              <a:t>Clique para editar o estilo</a:t>
-            </a:r>
-            <a:endParaRPr lang="pt-BR"/>
-          </a:p>
-        </p:txBody>
-      </p:sp>
-      <p:sp>
-        <p:nvSpPr>
-          <p:cNvPr id="3" name="Marcador de Posição do Texto 2"/>
-          <p:cNvSpPr>
-            <a:spLocks noGrp="1"/>
-          </p:cNvSpPr>
-          <p:nvPr>
-            <p:ph type="body" idx="1"/>
-          </p:nvPr>
-        </p:nvSpPr>
-        <p:spPr bwMode="auto">
-          <a:xfrm>
-            <a:off x="831850" y="4589463"/>
-            <a:ext cx="10515600" cy="1500187"/>
-          </a:xfrm>
-        </p:spPr>
-        <p:txBody>
-          <a:bodyPr/>
-          <a:lstStyle>
-            <a:lvl1pPr marL="0" indent="0">
-              <a:buNone/>
-              <a:defRPr sz="2400">
-                <a:solidFill>
-                  <a:schemeClr val="tx1">
-                    <a:tint val="75000"/>
-                  </a:schemeClr>
-                </a:solidFill>
-              </a:defRPr>
-            </a:lvl1pPr>
-            <a:lvl2pPr marL="457200" indent="0">
-              <a:buNone/>
-              <a:defRPr sz="2000">
-                <a:solidFill>
-                  <a:schemeClr val="tx1">
-                    <a:tint val="75000"/>
-                  </a:schemeClr>
-                </a:solidFill>
-              </a:defRPr>
-            </a:lvl2pPr>
-            <a:lvl3pPr marL="914400" indent="0">
-              <a:buNone/>
-              <a:defRPr sz="1800">
-                <a:solidFill>
-                  <a:schemeClr val="tx1">
-                    <a:tint val="75000"/>
-                  </a:schemeClr>
-                </a:solidFill>
-              </a:defRPr>
-            </a:lvl3pPr>
-            <a:lvl4pPr marL="1371600" indent="0">
-              <a:buNone/>
-              <a:defRPr sz="1600">
-                <a:solidFill>
-                  <a:schemeClr val="tx1">
-                    <a:tint val="75000"/>
-                  </a:schemeClr>
-                </a:solidFill>
-              </a:defRPr>
-            </a:lvl4pPr>
-            <a:lvl5pPr marL="1828800" indent="0">
-              <a:buNone/>
-              <a:defRPr sz="1600">
-                <a:solidFill>
-                  <a:schemeClr val="tx1">
-                    <a:tint val="75000"/>
-                  </a:schemeClr>
-                </a:solidFill>
-              </a:defRPr>
-            </a:lvl5pPr>
-            <a:lvl6pPr marL="2286000" indent="0">
-              <a:buNone/>
-              <a:defRPr sz="1600">
-                <a:solidFill>
-                  <a:schemeClr val="tx1">
-                    <a:tint val="75000"/>
-                  </a:schemeClr>
-                </a:solidFill>
-              </a:defRPr>
-            </a:lvl6pPr>
-            <a:lvl7pPr marL="2743200" indent="0">
-              <a:buNone/>
-              <a:defRPr sz="1600">
-                <a:solidFill>
-                  <a:schemeClr val="tx1">
-                    <a:tint val="75000"/>
-                  </a:schemeClr>
-                </a:solidFill>
-              </a:defRPr>
-            </a:lvl7pPr>
-            <a:lvl8pPr marL="3200400" indent="0">
-              <a:buNone/>
-              <a:defRPr sz="1600">
-                <a:solidFill>
-                  <a:schemeClr val="tx1">
-                    <a:tint val="75000"/>
-                  </a:schemeClr>
-                </a:solidFill>
-              </a:defRPr>
-            </a:lvl8pPr>
-            <a:lvl9pPr marL="3657600" indent="0">
-              <a:buNone/>
-              <a:defRPr sz="1600">
-                <a:solidFill>
-                  <a:schemeClr val="tx1">
-                    <a:tint val="75000"/>
-                  </a:schemeClr>
-                </a:solidFill>
-              </a:defRPr>
-            </a:lvl9pPr>
-          </a:lstStyle>
+        <p:spPr bwMode="auto"/>
+        <p:txBody>
+          <a:bodyPr/>
+          <a:lstStyle/>
+          <a:p>
+            <a:pPr>
+              <a:defRPr/>
+            </a:pPr>
+            <a:r>
+              <a:rPr/>
+              <a:t>Образец заголовка</a:t>
+            </a:r>
+            <a:endParaRPr/>
+          </a:p>
+        </p:txBody>
+      </p:sp>
+      <p:sp>
+        <p:nvSpPr>
+          <p:cNvPr id="3" name="Объект 2"/>
+          <p:cNvSpPr>
+            <a:spLocks noGrp="1"/>
+          </p:cNvSpPr>
+          <p:nvPr>
+            <p:ph idx="1"/>
+          </p:nvPr>
+        </p:nvSpPr>
+        <p:spPr bwMode="auto"/>
+        <p:txBody>
+          <a:bodyPr/>
+          <a:lstStyle/>
           <a:p>
             <a:pPr lvl="0">
               <a:defRPr/>
             </a:pPr>
             <a:r>
-              <a:rPr lang="pt-BR"/>
-              <a:t>Clique para editar os estilos</a:t>
-            </a:r>
-            <a:endParaRPr/>
-          </a:p>
-        </p:txBody>
-      </p:sp>
-      <p:sp>
-        <p:nvSpPr>
-          <p:cNvPr id="4" name="Marcador de Posição da Data 3"/>
+              <a:rPr/>
+              <a:t>Образец текста</a:t>
+            </a:r>
+            <a:endParaRPr/>
+          </a:p>
+          <a:p>
+            <a:pPr lvl="1">
+              <a:defRPr/>
+            </a:pPr>
+            <a:r>
+              <a:rPr/>
+              <a:t>Второй уровень</a:t>
+            </a:r>
+            <a:endParaRPr/>
+          </a:p>
+          <a:p>
+            <a:pPr lvl="2">
+              <a:defRPr/>
+            </a:pPr>
+            <a:r>
+              <a:rPr/>
+              <a:t>Третий уровень</a:t>
+            </a:r>
+            <a:endParaRPr/>
+          </a:p>
+          <a:p>
+            <a:pPr lvl="3">
+              <a:defRPr/>
+            </a:pPr>
+            <a:r>
+              <a:rPr/>
+              <a:t>Четвертый уровень</a:t>
+            </a:r>
+            <a:endParaRPr/>
+          </a:p>
+          <a:p>
+            <a:pPr lvl="4">
+              <a:defRPr/>
+            </a:pPr>
+            <a:r>
+              <a:rPr/>
+              <a:t>Пятый уровень</a:t>
+            </a:r>
+            <a:endParaRPr/>
+          </a:p>
+        </p:txBody>
+      </p:sp>
+      <p:sp>
+        <p:nvSpPr>
+          <p:cNvPr id="4" name="Дата 3"/>
           <p:cNvSpPr>
             <a:spLocks noGrp="1"/>
           </p:cNvSpPr>
@@ -1883,17 +2225,17 @@
             <a:pPr>
               <a:defRPr/>
             </a:pPr>
-            <a:fld id="{BCC18F51-09EC-435C-A3BA-64A766E099C0}" type="datetimeFigureOut">
-              <a:rPr lang="pt-BR"/>
-              <a:t>30.10.2013</a:t>
+            <a:fld id="{A69D51E0-3758-456B-809F-07B187805C7D}" type="datetimeFigureOut">
+              <a:rPr/>
+              <a:t>22.10.2013</a:t>
             </a:fld>
-            <a:endParaRPr lang="pt-BR"/>
-          </a:p>
-        </p:txBody>
-      </p:sp>
-      <p:sp>
-        <p:nvSpPr>
-          <p:cNvPr id="5" name="Marcador de Posição do Rodapé 4"/>
+            <a:endParaRPr/>
+          </a:p>
+        </p:txBody>
+      </p:sp>
+      <p:sp>
+        <p:nvSpPr>
+          <p:cNvPr id="5" name="Нижний колонтитул 4"/>
           <p:cNvSpPr>
             <a:spLocks noGrp="1"/>
           </p:cNvSpPr>
@@ -1909,13 +2251,13 @@
             <a:pPr>
               <a:defRPr/>
             </a:pPr>
-            <a:endParaRPr lang="pt-BR"/>
-          </a:p>
-        </p:txBody>
-      </p:sp>
-      <p:sp>
-        <p:nvSpPr>
-          <p:cNvPr id="6" name="Marcador de Posição do Número do Diapositivo 5"/>
+            <a:endParaRPr/>
+          </a:p>
+        </p:txBody>
+      </p:sp>
+      <p:sp>
+        <p:nvSpPr>
+          <p:cNvPr id="6" name="Номер слайда 5"/>
           <p:cNvSpPr>
             <a:spLocks noGrp="1"/>
           </p:cNvSpPr>
@@ -1931,11 +2273,11 @@
             <a:pPr>
               <a:defRPr/>
             </a:pPr>
-            <a:fld id="{08395586-F03A-48D1-94DF-16B239DF4FB5}" type="slidenum">
-              <a:rPr lang="pt-BR"/>
+            <a:fld id="{4D3B38E7-149F-4D77-9EEF-9309C2CB69A9}" type="slidenum">
+              <a:rPr/>
               <a:t>‹#›</a:t>
             </a:fld>
-            <a:endParaRPr lang="pt-BR"/>
+            <a:endParaRPr/>
           </a:p>
         </p:txBody>
       </p:sp>
@@ -1947,9 +2289,9 @@
 </p:sldLayout>
 </file>
 
-<file path=ppt/slideLayouts/slideLayout4.xml><?xml version="1.0" encoding="utf-8"?>
-<p:sldLayout xmlns:a="http://schemas.openxmlformats.org/drawingml/2006/main" xmlns:r="http://schemas.openxmlformats.org/officeDocument/2006/relationships" xmlns:p="http://schemas.openxmlformats.org/presentationml/2006/main" xmlns:m="http://schemas.openxmlformats.org/officeDocument/2006/math" xmlns:w="http://schemas.openxmlformats.org/wordprocessingml/2006/main" matchingName="" preserve="1" showMasterPhAnim="0" type="twoObj" userDrawn="1">
-  <p:cSld name="Conteúdo Duplo">
+<file path=ppt/slideLayouts/slideLayout3.xml><?xml version="1.0" encoding="utf-8"?>
+<p:sldLayout xmlns:a="http://schemas.openxmlformats.org/drawingml/2006/main" xmlns:r="http://schemas.openxmlformats.org/officeDocument/2006/relationships" xmlns:p="http://schemas.openxmlformats.org/presentationml/2006/main" xmlns:m="http://schemas.openxmlformats.org/officeDocument/2006/math" xmlns:w="http://schemas.openxmlformats.org/wordprocessingml/2006/main" matchingName="" preserve="0" showMasterPhAnim="0" type="secHead" userDrawn="1">
+  <p:cSld name="Section Header">
     <p:spTree>
       <p:nvGrpSpPr>
         <p:cNvPr id="1" name=""/>
@@ -1966,175 +2308,164 @@
       </p:grpSpPr>
       <p:sp>
         <p:nvSpPr>
-          <p:cNvPr id="2" name="Título 1"/>
+          <p:cNvPr id="2" name="Заголовок 1"/>
           <p:cNvSpPr>
             <a:spLocks noGrp="1"/>
           </p:cNvSpPr>
           <p:nvPr>
             <p:ph type="title"/>
-          </p:nvPr>
-        </p:nvSpPr>
-        <p:spPr bwMode="auto"/>
-        <p:txBody>
-          <a:bodyPr/>
-          <a:lstStyle/>
-          <a:p>
-            <a:pPr>
-              <a:defRPr/>
-            </a:pPr>
-            <a:r>
-              <a:rPr lang="pt-BR"/>
-              <a:t>Clique para editar o estilo</a:t>
-            </a:r>
-            <a:endParaRPr lang="pt-BR"/>
-          </a:p>
-        </p:txBody>
-      </p:sp>
-      <p:sp>
-        <p:nvSpPr>
-          <p:cNvPr id="3" name="Marcador de Posição de Conteúdo 2"/>
-          <p:cNvSpPr>
-            <a:spLocks noGrp="1"/>
-          </p:cNvSpPr>
-          <p:nvPr>
-            <p:ph sz="half" idx="1"/>
           </p:nvPr>
         </p:nvSpPr>
         <p:spPr bwMode="auto">
           <a:xfrm>
-            <a:off x="838200" y="1825625"/>
-            <a:ext cx="5181600" cy="4351338"/>
+            <a:off x="963083" y="4406901"/>
+            <a:ext cx="10363199" cy="1362074"/>
           </a:xfrm>
         </p:spPr>
         <p:txBody>
-          <a:bodyPr/>
-          <a:lstStyle/>
-          <a:p>
-            <a:pPr lvl="0">
-              <a:defRPr/>
-            </a:pPr>
-            <a:r>
-              <a:rPr lang="pt-BR"/>
-              <a:t>Clique para editar os estilos</a:t>
-            </a:r>
-            <a:endParaRPr/>
-          </a:p>
-          <a:p>
-            <a:pPr lvl="1">
-              <a:defRPr/>
-            </a:pPr>
-            <a:r>
-              <a:rPr lang="pt-BR"/>
-              <a:t>Segundo nível</a:t>
-            </a:r>
-            <a:endParaRPr/>
-          </a:p>
-          <a:p>
-            <a:pPr lvl="2">
-              <a:defRPr/>
-            </a:pPr>
-            <a:r>
-              <a:rPr lang="pt-BR"/>
-              <a:t>Terceiro nível</a:t>
-            </a:r>
-            <a:endParaRPr/>
-          </a:p>
-          <a:p>
-            <a:pPr lvl="3">
-              <a:defRPr/>
-            </a:pPr>
-            <a:r>
-              <a:rPr lang="pt-BR"/>
-              <a:t>Quarto nível</a:t>
-            </a:r>
-            <a:endParaRPr/>
-          </a:p>
-          <a:p>
-            <a:pPr lvl="4">
-              <a:defRPr/>
-            </a:pPr>
-            <a:r>
-              <a:rPr lang="pt-BR"/>
-              <a:t>Quinto nível</a:t>
-            </a:r>
-            <a:endParaRPr lang="pt-BR"/>
-          </a:p>
-        </p:txBody>
-      </p:sp>
-      <p:sp>
-        <p:nvSpPr>
-          <p:cNvPr id="4" name="Marcador de Posição de Conteúdo 3"/>
-          <p:cNvSpPr>
-            <a:spLocks noGrp="1"/>
-          </p:cNvSpPr>
-          <p:nvPr>
-            <p:ph sz="half" idx="2"/>
+          <a:bodyPr anchor="t"/>
+          <a:lstStyle>
+            <a:lvl1pPr algn="l">
+              <a:defRPr sz="4000" b="1" cap="all"/>
+            </a:lvl1pPr>
+          </a:lstStyle>
+          <a:p>
+            <a:pPr>
+              <a:defRPr/>
+            </a:pPr>
+            <a:r>
+              <a:rPr/>
+              <a:t>Образец заголовка</a:t>
+            </a:r>
+            <a:endParaRPr/>
+          </a:p>
+        </p:txBody>
+      </p:sp>
+      <p:sp>
+        <p:nvSpPr>
+          <p:cNvPr id="3" name="Текст 2"/>
+          <p:cNvSpPr>
+            <a:spLocks noGrp="1"/>
+          </p:cNvSpPr>
+          <p:nvPr>
+            <p:ph type="body" idx="1"/>
           </p:nvPr>
         </p:nvSpPr>
         <p:spPr bwMode="auto">
           <a:xfrm>
-            <a:off x="6172200" y="1825625"/>
-            <a:ext cx="5181600" cy="4351338"/>
+            <a:off x="963083" y="2906713"/>
+            <a:ext cx="10363199" cy="1500186"/>
           </a:xfrm>
         </p:spPr>
         <p:txBody>
-          <a:bodyPr/>
-          <a:lstStyle/>
+          <a:bodyPr anchor="b"/>
+          <a:lstStyle>
+            <a:lvl1pPr marL="0" indent="0">
+              <a:buNone/>
+              <a:defRPr sz="2000">
+                <a:solidFill>
+                  <a:schemeClr val="tx1">
+                    <a:tint val="75000"/>
+                  </a:schemeClr>
+                </a:solidFill>
+              </a:defRPr>
+            </a:lvl1pPr>
+            <a:lvl2pPr marL="457200" indent="0">
+              <a:buNone/>
+              <a:defRPr sz="1800">
+                <a:solidFill>
+                  <a:schemeClr val="tx1">
+                    <a:tint val="75000"/>
+                  </a:schemeClr>
+                </a:solidFill>
+              </a:defRPr>
+            </a:lvl2pPr>
+            <a:lvl3pPr marL="914400" indent="0">
+              <a:buNone/>
+              <a:defRPr sz="1600">
+                <a:solidFill>
+                  <a:schemeClr val="tx1">
+                    <a:tint val="75000"/>
+                  </a:schemeClr>
+                </a:solidFill>
+              </a:defRPr>
+            </a:lvl3pPr>
+            <a:lvl4pPr marL="1371600" indent="0">
+              <a:buNone/>
+              <a:defRPr sz="1400">
+                <a:solidFill>
+                  <a:schemeClr val="tx1">
+                    <a:tint val="75000"/>
+                  </a:schemeClr>
+                </a:solidFill>
+              </a:defRPr>
+            </a:lvl4pPr>
+            <a:lvl5pPr marL="1828800" indent="0">
+              <a:buNone/>
+              <a:defRPr sz="1400">
+                <a:solidFill>
+                  <a:schemeClr val="tx1">
+                    <a:tint val="75000"/>
+                  </a:schemeClr>
+                </a:solidFill>
+              </a:defRPr>
+            </a:lvl5pPr>
+            <a:lvl6pPr marL="2286000" indent="0">
+              <a:buNone/>
+              <a:defRPr sz="1400">
+                <a:solidFill>
+                  <a:schemeClr val="tx1">
+                    <a:tint val="75000"/>
+                  </a:schemeClr>
+                </a:solidFill>
+              </a:defRPr>
+            </a:lvl6pPr>
+            <a:lvl7pPr marL="2743200" indent="0">
+              <a:buNone/>
+              <a:defRPr sz="1400">
+                <a:solidFill>
+                  <a:schemeClr val="tx1">
+                    <a:tint val="75000"/>
+                  </a:schemeClr>
+                </a:solidFill>
+              </a:defRPr>
+            </a:lvl7pPr>
+            <a:lvl8pPr marL="3200400" indent="0">
+              <a:buNone/>
+              <a:defRPr sz="1400">
+                <a:solidFill>
+                  <a:schemeClr val="tx1">
+                    <a:tint val="75000"/>
+                  </a:schemeClr>
+                </a:solidFill>
+              </a:defRPr>
+            </a:lvl8pPr>
+            <a:lvl9pPr marL="3657600" indent="0">
+              <a:buNone/>
+              <a:defRPr sz="1400">
+                <a:solidFill>
+                  <a:schemeClr val="tx1">
+                    <a:tint val="75000"/>
+                  </a:schemeClr>
+                </a:solidFill>
+              </a:defRPr>
+            </a:lvl9pPr>
+          </a:lstStyle>
           <a:p>
             <a:pPr lvl="0">
               <a:defRPr/>
             </a:pPr>
             <a:r>
-              <a:rPr lang="pt-BR"/>
-              <a:t>Clique para editar os estilos</a:t>
-            </a:r>
-            <a:endParaRPr/>
-          </a:p>
-          <a:p>
-            <a:pPr lvl="1">
-              <a:defRPr/>
-            </a:pPr>
-            <a:r>
-              <a:rPr lang="pt-BR"/>
-              <a:t>Segundo nível</a:t>
-            </a:r>
-            <a:endParaRPr/>
-          </a:p>
-          <a:p>
-            <a:pPr lvl="2">
-              <a:defRPr/>
-            </a:pPr>
-            <a:r>
-              <a:rPr lang="pt-BR"/>
-              <a:t>Terceiro nível</a:t>
-            </a:r>
-            <a:endParaRPr/>
-          </a:p>
-          <a:p>
-            <a:pPr lvl="3">
-              <a:defRPr/>
-            </a:pPr>
-            <a:r>
-              <a:rPr lang="pt-BR"/>
-              <a:t>Quarto nível</a:t>
-            </a:r>
-            <a:endParaRPr/>
-          </a:p>
-          <a:p>
-            <a:pPr lvl="4">
-              <a:defRPr/>
-            </a:pPr>
-            <a:r>
-              <a:rPr lang="pt-BR"/>
-              <a:t>Quinto nível</a:t>
-            </a:r>
-            <a:endParaRPr lang="pt-BR"/>
-          </a:p>
-        </p:txBody>
-      </p:sp>
-      <p:sp>
-        <p:nvSpPr>
-          <p:cNvPr id="5" name="Marcador de Posição da Data 4"/>
+              <a:rPr/>
+              <a:t>Образец текста</a:t>
+            </a:r>
+            <a:endParaRPr/>
+          </a:p>
+        </p:txBody>
+      </p:sp>
+      <p:sp>
+        <p:nvSpPr>
+          <p:cNvPr id="4" name="Дата 3"/>
           <p:cNvSpPr>
             <a:spLocks noGrp="1"/>
           </p:cNvSpPr>
@@ -2150,17 +2481,17 @@
             <a:pPr>
               <a:defRPr/>
             </a:pPr>
-            <a:fld id="{BCC18F51-09EC-435C-A3BA-64A766E099C0}" type="datetimeFigureOut">
-              <a:rPr lang="pt-BR"/>
-              <a:t>30.10.2013</a:t>
+            <a:fld id="{A69D51E0-3758-456B-809F-07B187805C7D}" type="datetimeFigureOut">
+              <a:rPr/>
+              <a:t>22.10.2013</a:t>
             </a:fld>
-            <a:endParaRPr lang="pt-BR"/>
-          </a:p>
-        </p:txBody>
-      </p:sp>
-      <p:sp>
-        <p:nvSpPr>
-          <p:cNvPr id="6" name="Marcador de Posição do Rodapé 5"/>
+            <a:endParaRPr/>
+          </a:p>
+        </p:txBody>
+      </p:sp>
+      <p:sp>
+        <p:nvSpPr>
+          <p:cNvPr id="5" name="Нижний колонтитул 4"/>
           <p:cNvSpPr>
             <a:spLocks noGrp="1"/>
           </p:cNvSpPr>
@@ -2176,13 +2507,13 @@
             <a:pPr>
               <a:defRPr/>
             </a:pPr>
-            <a:endParaRPr lang="pt-BR"/>
-          </a:p>
-        </p:txBody>
-      </p:sp>
-      <p:sp>
-        <p:nvSpPr>
-          <p:cNvPr id="7" name="Marcador de Posição do Número do Diapositivo 6"/>
+            <a:endParaRPr/>
+          </a:p>
+        </p:txBody>
+      </p:sp>
+      <p:sp>
+        <p:nvSpPr>
+          <p:cNvPr id="6" name="Номер слайда 5"/>
           <p:cNvSpPr>
             <a:spLocks noGrp="1"/>
           </p:cNvSpPr>
@@ -2198,11 +2529,11 @@
             <a:pPr>
               <a:defRPr/>
             </a:pPr>
-            <a:fld id="{08395586-F03A-48D1-94DF-16B239DF4FB5}" type="slidenum">
-              <a:rPr lang="pt-BR"/>
+            <a:fld id="{4D3B38E7-149F-4D77-9EEF-9309C2CB69A9}" type="slidenum">
+              <a:rPr/>
               <a:t>‹#›</a:t>
             </a:fld>
-            <a:endParaRPr lang="pt-BR"/>
+            <a:endParaRPr/>
           </a:p>
         </p:txBody>
       </p:sp>
@@ -2214,9 +2545,9 @@
 </p:sldLayout>
 </file>
 
-<file path=ppt/slideLayouts/slideLayout5.xml><?xml version="1.0" encoding="utf-8"?>
-<p:sldLayout xmlns:a="http://schemas.openxmlformats.org/drawingml/2006/main" xmlns:r="http://schemas.openxmlformats.org/officeDocument/2006/relationships" xmlns:p="http://schemas.openxmlformats.org/presentationml/2006/main" xmlns:m="http://schemas.openxmlformats.org/officeDocument/2006/math" xmlns:w="http://schemas.openxmlformats.org/wordprocessingml/2006/main" matchingName="" preserve="1" showMasterPhAnim="0" type="twoTxTwoObj" userDrawn="1">
-  <p:cSld name="Comparação">
+<file path=ppt/slideLayouts/slideLayout4.xml><?xml version="1.0" encoding="utf-8"?>
+<p:sldLayout xmlns:a="http://schemas.openxmlformats.org/drawingml/2006/main" xmlns:r="http://schemas.openxmlformats.org/officeDocument/2006/relationships" xmlns:p="http://schemas.openxmlformats.org/presentationml/2006/main" xmlns:m="http://schemas.openxmlformats.org/officeDocument/2006/math" xmlns:w="http://schemas.openxmlformats.org/wordprocessingml/2006/main" matchingName="" preserve="0" showMasterPhAnim="0" type="twoObj" userDrawn="1">
+  <p:cSld name="Two Content">
     <p:spTree>
       <p:nvGrpSpPr>
         <p:cNvPr id="1" name=""/>
@@ -2233,89 +2564,174 @@
       </p:grpSpPr>
       <p:sp>
         <p:nvSpPr>
-          <p:cNvPr id="2" name="Título 1"/>
+          <p:cNvPr id="2" name="Заголовок 1"/>
           <p:cNvSpPr>
             <a:spLocks noGrp="1"/>
           </p:cNvSpPr>
           <p:nvPr>
             <p:ph type="title"/>
+          </p:nvPr>
+        </p:nvSpPr>
+        <p:spPr bwMode="auto"/>
+        <p:txBody>
+          <a:bodyPr/>
+          <a:lstStyle/>
+          <a:p>
+            <a:pPr>
+              <a:defRPr/>
+            </a:pPr>
+            <a:r>
+              <a:rPr/>
+              <a:t>Образец заголовка</a:t>
+            </a:r>
+            <a:endParaRPr/>
+          </a:p>
+        </p:txBody>
+      </p:sp>
+      <p:sp>
+        <p:nvSpPr>
+          <p:cNvPr id="3" name="Объект 2"/>
+          <p:cNvSpPr>
+            <a:spLocks noGrp="1"/>
+          </p:cNvSpPr>
+          <p:nvPr>
+            <p:ph sz="half" idx="1"/>
           </p:nvPr>
         </p:nvSpPr>
         <p:spPr bwMode="auto">
           <a:xfrm>
-            <a:off x="839788" y="365125"/>
-            <a:ext cx="10515600" cy="1325563"/>
+            <a:off x="609599" y="1600201"/>
+            <a:ext cx="5384799" cy="4525962"/>
           </a:xfrm>
         </p:spPr>
         <p:txBody>
           <a:bodyPr/>
-          <a:lstStyle/>
-          <a:p>
-            <a:pPr>
-              <a:defRPr/>
-            </a:pPr>
-            <a:r>
-              <a:rPr lang="pt-BR"/>
-              <a:t>Clique para editar o estilo</a:t>
-            </a:r>
-            <a:endParaRPr lang="pt-BR"/>
-          </a:p>
-        </p:txBody>
-      </p:sp>
-      <p:sp>
-        <p:nvSpPr>
-          <p:cNvPr id="3" name="Marcador de Posição do Texto 2"/>
-          <p:cNvSpPr>
-            <a:spLocks noGrp="1"/>
-          </p:cNvSpPr>
-          <p:nvPr>
-            <p:ph type="body" idx="1"/>
+          <a:lstStyle>
+            <a:lvl1pPr>
+              <a:defRPr sz="2800"/>
+            </a:lvl1pPr>
+            <a:lvl2pPr>
+              <a:defRPr sz="2400"/>
+            </a:lvl2pPr>
+            <a:lvl3pPr>
+              <a:defRPr sz="2000"/>
+            </a:lvl3pPr>
+            <a:lvl4pPr>
+              <a:defRPr sz="1800"/>
+            </a:lvl4pPr>
+            <a:lvl5pPr>
+              <a:defRPr sz="1800"/>
+            </a:lvl5pPr>
+            <a:lvl6pPr>
+              <a:defRPr sz="1800"/>
+            </a:lvl6pPr>
+            <a:lvl7pPr>
+              <a:defRPr sz="1800"/>
+            </a:lvl7pPr>
+            <a:lvl8pPr>
+              <a:defRPr sz="1800"/>
+            </a:lvl8pPr>
+            <a:lvl9pPr>
+              <a:defRPr sz="1800"/>
+            </a:lvl9pPr>
+          </a:lstStyle>
+          <a:p>
+            <a:pPr lvl="0">
+              <a:defRPr/>
+            </a:pPr>
+            <a:r>
+              <a:rPr/>
+              <a:t>Образец текста</a:t>
+            </a:r>
+            <a:endParaRPr/>
+          </a:p>
+          <a:p>
+            <a:pPr lvl="1">
+              <a:defRPr/>
+            </a:pPr>
+            <a:r>
+              <a:rPr/>
+              <a:t>Второй уровень</a:t>
+            </a:r>
+            <a:endParaRPr/>
+          </a:p>
+          <a:p>
+            <a:pPr lvl="2">
+              <a:defRPr/>
+            </a:pPr>
+            <a:r>
+              <a:rPr/>
+              <a:t>Третий уровень</a:t>
+            </a:r>
+            <a:endParaRPr/>
+          </a:p>
+          <a:p>
+            <a:pPr lvl="3">
+              <a:defRPr/>
+            </a:pPr>
+            <a:r>
+              <a:rPr/>
+              <a:t>Четвертый уровень</a:t>
+            </a:r>
+            <a:endParaRPr/>
+          </a:p>
+          <a:p>
+            <a:pPr lvl="4">
+              <a:defRPr/>
+            </a:pPr>
+            <a:r>
+              <a:rPr/>
+              <a:t>Пятый уровень</a:t>
+            </a:r>
+            <a:endParaRPr/>
+          </a:p>
+        </p:txBody>
+      </p:sp>
+      <p:sp>
+        <p:nvSpPr>
+          <p:cNvPr id="4" name="Объект 3"/>
+          <p:cNvSpPr>
+            <a:spLocks noGrp="1"/>
+          </p:cNvSpPr>
+          <p:nvPr>
+            <p:ph sz="half" idx="2"/>
           </p:nvPr>
         </p:nvSpPr>
         <p:spPr bwMode="auto">
           <a:xfrm>
-            <a:off x="839788" y="1681163"/>
-            <a:ext cx="5157787" cy="823912"/>
+            <a:off x="6197599" y="1600201"/>
+            <a:ext cx="5384799" cy="4525962"/>
           </a:xfrm>
         </p:spPr>
         <p:txBody>
-          <a:bodyPr anchor="b"/>
+          <a:bodyPr/>
           <a:lstStyle>
-            <a:lvl1pPr marL="0" indent="0">
-              <a:buNone/>
-              <a:defRPr sz="2400" b="1"/>
+            <a:lvl1pPr>
+              <a:defRPr sz="2800"/>
             </a:lvl1pPr>
-            <a:lvl2pPr marL="457200" indent="0">
-              <a:buNone/>
-              <a:defRPr sz="2000" b="1"/>
+            <a:lvl2pPr>
+              <a:defRPr sz="2400"/>
             </a:lvl2pPr>
-            <a:lvl3pPr marL="914400" indent="0">
-              <a:buNone/>
-              <a:defRPr sz="1800" b="1"/>
+            <a:lvl3pPr>
+              <a:defRPr sz="2000"/>
             </a:lvl3pPr>
-            <a:lvl4pPr marL="1371600" indent="0">
-              <a:buNone/>
-              <a:defRPr sz="1600" b="1"/>
+            <a:lvl4pPr>
+              <a:defRPr sz="1800"/>
             </a:lvl4pPr>
-            <a:lvl5pPr marL="1828800" indent="0">
-              <a:buNone/>
-              <a:defRPr sz="1600" b="1"/>
+            <a:lvl5pPr>
+              <a:defRPr sz="1800"/>
             </a:lvl5pPr>
-            <a:lvl6pPr marL="2286000" indent="0">
-              <a:buNone/>
-              <a:defRPr sz="1600" b="1"/>
+            <a:lvl6pPr>
+              <a:defRPr sz="1800"/>
             </a:lvl6pPr>
-            <a:lvl7pPr marL="2743200" indent="0">
-              <a:buNone/>
-              <a:defRPr sz="1600" b="1"/>
+            <a:lvl7pPr>
+              <a:defRPr sz="1800"/>
             </a:lvl7pPr>
-            <a:lvl8pPr marL="3200400" indent="0">
-              <a:buNone/>
-              <a:defRPr sz="1600" b="1"/>
+            <a:lvl8pPr>
+              <a:defRPr sz="1800"/>
             </a:lvl8pPr>
-            <a:lvl9pPr marL="3657600" indent="0">
-              <a:buNone/>
-              <a:defRPr sz="1600" b="1"/>
+            <a:lvl9pPr>
+              <a:defRPr sz="1800"/>
             </a:lvl9pPr>
           </a:lstStyle>
           <a:p>
@@ -2323,39 +2739,8 @@
               <a:defRPr/>
             </a:pPr>
             <a:r>
-              <a:rPr lang="pt-BR"/>
-              <a:t>Clique para editar os estilos</a:t>
-            </a:r>
-            <a:endParaRPr/>
-          </a:p>
-        </p:txBody>
-      </p:sp>
-      <p:sp>
-        <p:nvSpPr>
-          <p:cNvPr id="4" name="Marcador de Posição de Conteúdo 3"/>
-          <p:cNvSpPr>
-            <a:spLocks noGrp="1"/>
-          </p:cNvSpPr>
-          <p:nvPr>
-            <p:ph sz="half" idx="2"/>
-          </p:nvPr>
-        </p:nvSpPr>
-        <p:spPr bwMode="auto">
-          <a:xfrm>
-            <a:off x="839788" y="2505074"/>
-            <a:ext cx="5157787" cy="3684588"/>
-          </a:xfrm>
-        </p:spPr>
-        <p:txBody>
-          <a:bodyPr/>
-          <a:lstStyle/>
-          <a:p>
-            <a:pPr lvl="0">
-              <a:defRPr/>
-            </a:pPr>
-            <a:r>
-              <a:rPr lang="pt-BR"/>
-              <a:t>Clique para editar os estilos</a:t>
+              <a:rPr/>
+              <a:t>Образец текста</a:t>
             </a:r>
             <a:endParaRPr/>
           </a:p>
@@ -2364,8 +2749,8 @@
               <a:defRPr/>
             </a:pPr>
             <a:r>
-              <a:rPr lang="pt-BR"/>
-              <a:t>Segundo nível</a:t>
+              <a:rPr/>
+              <a:t>Второй уровень</a:t>
             </a:r>
             <a:endParaRPr/>
           </a:p>
@@ -2374,8 +2759,8 @@
               <a:defRPr/>
             </a:pPr>
             <a:r>
-              <a:rPr lang="pt-BR"/>
-              <a:t>Terceiro nível</a:t>
+              <a:rPr/>
+              <a:t>Третий уровень</a:t>
             </a:r>
             <a:endParaRPr/>
           </a:p>
@@ -2384,8 +2769,8 @@
               <a:defRPr/>
             </a:pPr>
             <a:r>
-              <a:rPr lang="pt-BR"/>
-              <a:t>Quarto nível</a:t>
+              <a:rPr/>
+              <a:t>Четвертый уровень</a:t>
             </a:r>
             <a:endParaRPr/>
           </a:p>
@@ -2394,155 +2779,16 @@
               <a:defRPr/>
             </a:pPr>
             <a:r>
-              <a:rPr lang="pt-BR"/>
-              <a:t>Quinto nível</a:t>
-            </a:r>
-            <a:endParaRPr lang="pt-BR"/>
-          </a:p>
-        </p:txBody>
-      </p:sp>
-      <p:sp>
-        <p:nvSpPr>
-          <p:cNvPr id="5" name="Marcador de Posição do Texto 4"/>
-          <p:cNvSpPr>
-            <a:spLocks noGrp="1"/>
-          </p:cNvSpPr>
-          <p:nvPr>
-            <p:ph type="body" sz="quarter" idx="3"/>
-          </p:nvPr>
-        </p:nvSpPr>
-        <p:spPr bwMode="auto">
-          <a:xfrm>
-            <a:off x="6172200" y="1681163"/>
-            <a:ext cx="5183188" cy="823912"/>
-          </a:xfrm>
-        </p:spPr>
-        <p:txBody>
-          <a:bodyPr anchor="b"/>
-          <a:lstStyle>
-            <a:lvl1pPr marL="0" indent="0">
-              <a:buNone/>
-              <a:defRPr sz="2400" b="1"/>
-            </a:lvl1pPr>
-            <a:lvl2pPr marL="457200" indent="0">
-              <a:buNone/>
-              <a:defRPr sz="2000" b="1"/>
-            </a:lvl2pPr>
-            <a:lvl3pPr marL="914400" indent="0">
-              <a:buNone/>
-              <a:defRPr sz="1800" b="1"/>
-            </a:lvl3pPr>
-            <a:lvl4pPr marL="1371600" indent="0">
-              <a:buNone/>
-              <a:defRPr sz="1600" b="1"/>
-            </a:lvl4pPr>
-            <a:lvl5pPr marL="1828800" indent="0">
-              <a:buNone/>
-              <a:defRPr sz="1600" b="1"/>
-            </a:lvl5pPr>
-            <a:lvl6pPr marL="2286000" indent="0">
-              <a:buNone/>
-              <a:defRPr sz="1600" b="1"/>
-            </a:lvl6pPr>
-            <a:lvl7pPr marL="2743200" indent="0">
-              <a:buNone/>
-              <a:defRPr sz="1600" b="1"/>
-            </a:lvl7pPr>
-            <a:lvl8pPr marL="3200400" indent="0">
-              <a:buNone/>
-              <a:defRPr sz="1600" b="1"/>
-            </a:lvl8pPr>
-            <a:lvl9pPr marL="3657600" indent="0">
-              <a:buNone/>
-              <a:defRPr sz="1600" b="1"/>
-            </a:lvl9pPr>
-          </a:lstStyle>
-          <a:p>
-            <a:pPr lvl="0">
-              <a:defRPr/>
-            </a:pPr>
-            <a:r>
-              <a:rPr lang="pt-BR"/>
-              <a:t>Clique para editar os estilos</a:t>
-            </a:r>
-            <a:endParaRPr/>
-          </a:p>
-        </p:txBody>
-      </p:sp>
-      <p:sp>
-        <p:nvSpPr>
-          <p:cNvPr id="6" name="Marcador de Posição de Conteúdo 5"/>
-          <p:cNvSpPr>
-            <a:spLocks noGrp="1"/>
-          </p:cNvSpPr>
-          <p:nvPr>
-            <p:ph sz="quarter" idx="4"/>
-          </p:nvPr>
-        </p:nvSpPr>
-        <p:spPr bwMode="auto">
-          <a:xfrm>
-            <a:off x="6172200" y="2505074"/>
-            <a:ext cx="5183188" cy="3684588"/>
-          </a:xfrm>
-        </p:spPr>
-        <p:txBody>
-          <a:bodyPr/>
-          <a:lstStyle/>
-          <a:p>
-            <a:pPr lvl="0">
-              <a:defRPr/>
-            </a:pPr>
-            <a:r>
-              <a:rPr lang="pt-BR"/>
-              <a:t>Clique para editar os estilos</a:t>
-            </a:r>
-            <a:endParaRPr/>
-          </a:p>
-          <a:p>
-            <a:pPr lvl="1">
-              <a:defRPr/>
-            </a:pPr>
-            <a:r>
-              <a:rPr lang="pt-BR"/>
-              <a:t>Segundo nível</a:t>
-            </a:r>
-            <a:endParaRPr/>
-          </a:p>
-          <a:p>
-            <a:pPr lvl="2">
-              <a:defRPr/>
-            </a:pPr>
-            <a:r>
-              <a:rPr lang="pt-BR"/>
-              <a:t>Terceiro nível</a:t>
-            </a:r>
-            <a:endParaRPr/>
-          </a:p>
-          <a:p>
-            <a:pPr lvl="3">
-              <a:defRPr/>
-            </a:pPr>
-            <a:r>
-              <a:rPr lang="pt-BR"/>
-              <a:t>Quarto nível</a:t>
-            </a:r>
-            <a:endParaRPr/>
-          </a:p>
-          <a:p>
-            <a:pPr lvl="4">
-              <a:defRPr/>
-            </a:pPr>
-            <a:r>
-              <a:rPr lang="pt-BR"/>
-              <a:t>Quinto nível</a:t>
-            </a:r>
-            <a:endParaRPr lang="pt-BR"/>
-          </a:p>
-        </p:txBody>
-      </p:sp>
-      <p:sp>
-        <p:nvSpPr>
-          <p:cNvPr id="7" name="Marcador de Posição da Data 6"/>
+              <a:rPr/>
+              <a:t>Пятый уровень</a:t>
+            </a:r>
+            <a:endParaRPr/>
+          </a:p>
+        </p:txBody>
+      </p:sp>
+      <p:sp>
+        <p:nvSpPr>
+          <p:cNvPr id="5" name="Дата 4"/>
           <p:cNvSpPr>
             <a:spLocks noGrp="1"/>
           </p:cNvSpPr>
@@ -2558,17 +2804,17 @@
             <a:pPr>
               <a:defRPr/>
             </a:pPr>
-            <a:fld id="{BCC18F51-09EC-435C-A3BA-64A766E099C0}" type="datetimeFigureOut">
-              <a:rPr lang="pt-BR"/>
-              <a:t>30.10.2013</a:t>
+            <a:fld id="{A69D51E0-3758-456B-809F-07B187805C7D}" type="datetimeFigureOut">
+              <a:rPr/>
+              <a:t>22.10.2013</a:t>
             </a:fld>
-            <a:endParaRPr lang="pt-BR"/>
-          </a:p>
-        </p:txBody>
-      </p:sp>
-      <p:sp>
-        <p:nvSpPr>
-          <p:cNvPr id="8" name="Marcador de Posição do Rodapé 7"/>
+            <a:endParaRPr/>
+          </a:p>
+        </p:txBody>
+      </p:sp>
+      <p:sp>
+        <p:nvSpPr>
+          <p:cNvPr id="6" name="Нижний колонтитул 5"/>
           <p:cNvSpPr>
             <a:spLocks noGrp="1"/>
           </p:cNvSpPr>
@@ -2584,13 +2830,13 @@
             <a:pPr>
               <a:defRPr/>
             </a:pPr>
-            <a:endParaRPr lang="pt-BR"/>
-          </a:p>
-        </p:txBody>
-      </p:sp>
-      <p:sp>
-        <p:nvSpPr>
-          <p:cNvPr id="9" name="Marcador de Posição do Número do Diapositivo 8"/>
+            <a:endParaRPr/>
+          </a:p>
+        </p:txBody>
+      </p:sp>
+      <p:sp>
+        <p:nvSpPr>
+          <p:cNvPr id="7" name="Номер слайда 6"/>
           <p:cNvSpPr>
             <a:spLocks noGrp="1"/>
           </p:cNvSpPr>
@@ -2606,11 +2852,11 @@
             <a:pPr>
               <a:defRPr/>
             </a:pPr>
-            <a:fld id="{08395586-F03A-48D1-94DF-16B239DF4FB5}" type="slidenum">
-              <a:rPr lang="pt-BR"/>
+            <a:fld id="{4D3B38E7-149F-4D77-9EEF-9309C2CB69A9}" type="slidenum">
+              <a:rPr/>
               <a:t>‹#›</a:t>
             </a:fld>
-            <a:endParaRPr lang="pt-BR"/>
+            <a:endParaRPr/>
           </a:p>
         </p:txBody>
       </p:sp>
@@ -2622,9 +2868,9 @@
 </p:sldLayout>
 </file>
 
-<file path=ppt/slideLayouts/slideLayout6.xml><?xml version="1.0" encoding="utf-8"?>
-<p:sldLayout xmlns:a="http://schemas.openxmlformats.org/drawingml/2006/main" xmlns:r="http://schemas.openxmlformats.org/officeDocument/2006/relationships" xmlns:p="http://schemas.openxmlformats.org/presentationml/2006/main" xmlns:m="http://schemas.openxmlformats.org/officeDocument/2006/math" xmlns:w="http://schemas.openxmlformats.org/wordprocessingml/2006/main" matchingName="" preserve="1" showMasterPhAnim="0" type="titleOnly" userDrawn="1">
-  <p:cSld name="Só título">
+<file path=ppt/slideLayouts/slideLayout5.xml><?xml version="1.0" encoding="utf-8"?>
+<p:sldLayout xmlns:a="http://schemas.openxmlformats.org/drawingml/2006/main" xmlns:r="http://schemas.openxmlformats.org/officeDocument/2006/relationships" xmlns:p="http://schemas.openxmlformats.org/presentationml/2006/main" xmlns:m="http://schemas.openxmlformats.org/officeDocument/2006/math" xmlns:w="http://schemas.openxmlformats.org/wordprocessingml/2006/main" matchingName="" preserve="0" showMasterPhAnim="0" type="twoTxTwoObj" userDrawn="1">
+  <p:cSld name="Comparison">
     <p:spTree>
       <p:nvGrpSpPr>
         <p:cNvPr id="1" name=""/>
@@ -2641,7 +2887,7 @@
       </p:grpSpPr>
       <p:sp>
         <p:nvSpPr>
-          <p:cNvPr id="2" name="Título 1"/>
+          <p:cNvPr id="2" name="Заголовок 1"/>
           <p:cNvSpPr>
             <a:spLocks noGrp="1"/>
           </p:cNvSpPr>
@@ -2652,22 +2898,360 @@
         <p:spPr bwMode="auto"/>
         <p:txBody>
           <a:bodyPr/>
-          <a:lstStyle/>
-          <a:p>
-            <a:pPr>
-              <a:defRPr/>
-            </a:pPr>
-            <a:r>
-              <a:rPr lang="pt-BR"/>
-              <a:t>Clique para editar o estilo</a:t>
-            </a:r>
-            <a:endParaRPr lang="pt-BR"/>
-          </a:p>
-        </p:txBody>
-      </p:sp>
-      <p:sp>
-        <p:nvSpPr>
-          <p:cNvPr id="3" name="Marcador de Posição da Data 2"/>
+          <a:lstStyle>
+            <a:lvl1pPr>
+              <a:defRPr/>
+            </a:lvl1pPr>
+          </a:lstStyle>
+          <a:p>
+            <a:pPr>
+              <a:defRPr/>
+            </a:pPr>
+            <a:r>
+              <a:rPr/>
+              <a:t>Образец заголовка</a:t>
+            </a:r>
+            <a:endParaRPr/>
+          </a:p>
+        </p:txBody>
+      </p:sp>
+      <p:sp>
+        <p:nvSpPr>
+          <p:cNvPr id="3" name="Текст 2"/>
+          <p:cNvSpPr>
+            <a:spLocks noGrp="1"/>
+          </p:cNvSpPr>
+          <p:nvPr>
+            <p:ph type="body" idx="1"/>
+          </p:nvPr>
+        </p:nvSpPr>
+        <p:spPr bwMode="auto">
+          <a:xfrm>
+            <a:off x="609599" y="1535113"/>
+            <a:ext cx="5386917" cy="639762"/>
+          </a:xfrm>
+        </p:spPr>
+        <p:txBody>
+          <a:bodyPr anchor="b"/>
+          <a:lstStyle>
+            <a:lvl1pPr marL="0" indent="0">
+              <a:buNone/>
+              <a:defRPr sz="2400" b="1"/>
+            </a:lvl1pPr>
+            <a:lvl2pPr marL="457200" indent="0">
+              <a:buNone/>
+              <a:defRPr sz="2000" b="1"/>
+            </a:lvl2pPr>
+            <a:lvl3pPr marL="914400" indent="0">
+              <a:buNone/>
+              <a:defRPr sz="1800" b="1"/>
+            </a:lvl3pPr>
+            <a:lvl4pPr marL="1371600" indent="0">
+              <a:buNone/>
+              <a:defRPr sz="1600" b="1"/>
+            </a:lvl4pPr>
+            <a:lvl5pPr marL="1828800" indent="0">
+              <a:buNone/>
+              <a:defRPr sz="1600" b="1"/>
+            </a:lvl5pPr>
+            <a:lvl6pPr marL="2286000" indent="0">
+              <a:buNone/>
+              <a:defRPr sz="1600" b="1"/>
+            </a:lvl6pPr>
+            <a:lvl7pPr marL="2743200" indent="0">
+              <a:buNone/>
+              <a:defRPr sz="1600" b="1"/>
+            </a:lvl7pPr>
+            <a:lvl8pPr marL="3200400" indent="0">
+              <a:buNone/>
+              <a:defRPr sz="1600" b="1"/>
+            </a:lvl8pPr>
+            <a:lvl9pPr marL="3657600" indent="0">
+              <a:buNone/>
+              <a:defRPr sz="1600" b="1"/>
+            </a:lvl9pPr>
+          </a:lstStyle>
+          <a:p>
+            <a:pPr lvl="0">
+              <a:defRPr/>
+            </a:pPr>
+            <a:r>
+              <a:rPr/>
+              <a:t>Образец текста</a:t>
+            </a:r>
+            <a:endParaRPr/>
+          </a:p>
+        </p:txBody>
+      </p:sp>
+      <p:sp>
+        <p:nvSpPr>
+          <p:cNvPr id="4" name="Объект 3"/>
+          <p:cNvSpPr>
+            <a:spLocks noGrp="1"/>
+          </p:cNvSpPr>
+          <p:nvPr>
+            <p:ph sz="half" idx="2"/>
+          </p:nvPr>
+        </p:nvSpPr>
+        <p:spPr bwMode="auto">
+          <a:xfrm>
+            <a:off x="609599" y="2174874"/>
+            <a:ext cx="5386917" cy="3951288"/>
+          </a:xfrm>
+        </p:spPr>
+        <p:txBody>
+          <a:bodyPr/>
+          <a:lstStyle>
+            <a:lvl1pPr>
+              <a:defRPr sz="2400"/>
+            </a:lvl1pPr>
+            <a:lvl2pPr>
+              <a:defRPr sz="2000"/>
+            </a:lvl2pPr>
+            <a:lvl3pPr>
+              <a:defRPr sz="1800"/>
+            </a:lvl3pPr>
+            <a:lvl4pPr>
+              <a:defRPr sz="1600"/>
+            </a:lvl4pPr>
+            <a:lvl5pPr>
+              <a:defRPr sz="1600"/>
+            </a:lvl5pPr>
+            <a:lvl6pPr>
+              <a:defRPr sz="1600"/>
+            </a:lvl6pPr>
+            <a:lvl7pPr>
+              <a:defRPr sz="1600"/>
+            </a:lvl7pPr>
+            <a:lvl8pPr>
+              <a:defRPr sz="1600"/>
+            </a:lvl8pPr>
+            <a:lvl9pPr>
+              <a:defRPr sz="1600"/>
+            </a:lvl9pPr>
+          </a:lstStyle>
+          <a:p>
+            <a:pPr lvl="0">
+              <a:defRPr/>
+            </a:pPr>
+            <a:r>
+              <a:rPr/>
+              <a:t>Образец текста</a:t>
+            </a:r>
+            <a:endParaRPr/>
+          </a:p>
+          <a:p>
+            <a:pPr lvl="1">
+              <a:defRPr/>
+            </a:pPr>
+            <a:r>
+              <a:rPr/>
+              <a:t>Второй уровень</a:t>
+            </a:r>
+            <a:endParaRPr/>
+          </a:p>
+          <a:p>
+            <a:pPr lvl="2">
+              <a:defRPr/>
+            </a:pPr>
+            <a:r>
+              <a:rPr/>
+              <a:t>Третий уровень</a:t>
+            </a:r>
+            <a:endParaRPr/>
+          </a:p>
+          <a:p>
+            <a:pPr lvl="3">
+              <a:defRPr/>
+            </a:pPr>
+            <a:r>
+              <a:rPr/>
+              <a:t>Четвертый уровень</a:t>
+            </a:r>
+            <a:endParaRPr/>
+          </a:p>
+          <a:p>
+            <a:pPr lvl="4">
+              <a:defRPr/>
+            </a:pPr>
+            <a:r>
+              <a:rPr/>
+              <a:t>Пятый уровень</a:t>
+            </a:r>
+            <a:endParaRPr/>
+          </a:p>
+        </p:txBody>
+      </p:sp>
+      <p:sp>
+        <p:nvSpPr>
+          <p:cNvPr id="5" name="Текст 4"/>
+          <p:cNvSpPr>
+            <a:spLocks noGrp="1"/>
+          </p:cNvSpPr>
+          <p:nvPr>
+            <p:ph type="body" sz="quarter" idx="3"/>
+          </p:nvPr>
+        </p:nvSpPr>
+        <p:spPr bwMode="auto">
+          <a:xfrm>
+            <a:off x="6193370" y="1535113"/>
+            <a:ext cx="5389033" cy="639762"/>
+          </a:xfrm>
+        </p:spPr>
+        <p:txBody>
+          <a:bodyPr anchor="b"/>
+          <a:lstStyle>
+            <a:lvl1pPr marL="0" indent="0">
+              <a:buNone/>
+              <a:defRPr sz="2400" b="1"/>
+            </a:lvl1pPr>
+            <a:lvl2pPr marL="457200" indent="0">
+              <a:buNone/>
+              <a:defRPr sz="2000" b="1"/>
+            </a:lvl2pPr>
+            <a:lvl3pPr marL="914400" indent="0">
+              <a:buNone/>
+              <a:defRPr sz="1800" b="1"/>
+            </a:lvl3pPr>
+            <a:lvl4pPr marL="1371600" indent="0">
+              <a:buNone/>
+              <a:defRPr sz="1600" b="1"/>
+            </a:lvl4pPr>
+            <a:lvl5pPr marL="1828800" indent="0">
+              <a:buNone/>
+              <a:defRPr sz="1600" b="1"/>
+            </a:lvl5pPr>
+            <a:lvl6pPr marL="2286000" indent="0">
+              <a:buNone/>
+              <a:defRPr sz="1600" b="1"/>
+            </a:lvl6pPr>
+            <a:lvl7pPr marL="2743200" indent="0">
+              <a:buNone/>
+              <a:defRPr sz="1600" b="1"/>
+            </a:lvl7pPr>
+            <a:lvl8pPr marL="3200400" indent="0">
+              <a:buNone/>
+              <a:defRPr sz="1600" b="1"/>
+            </a:lvl8pPr>
+            <a:lvl9pPr marL="3657600" indent="0">
+              <a:buNone/>
+              <a:defRPr sz="1600" b="1"/>
+            </a:lvl9pPr>
+          </a:lstStyle>
+          <a:p>
+            <a:pPr lvl="0">
+              <a:defRPr/>
+            </a:pPr>
+            <a:r>
+              <a:rPr/>
+              <a:t>Образец текста</a:t>
+            </a:r>
+            <a:endParaRPr/>
+          </a:p>
+        </p:txBody>
+      </p:sp>
+      <p:sp>
+        <p:nvSpPr>
+          <p:cNvPr id="6" name="Объект 5"/>
+          <p:cNvSpPr>
+            <a:spLocks noGrp="1"/>
+          </p:cNvSpPr>
+          <p:nvPr>
+            <p:ph sz="quarter" idx="4"/>
+          </p:nvPr>
+        </p:nvSpPr>
+        <p:spPr bwMode="auto">
+          <a:xfrm>
+            <a:off x="6193370" y="2174874"/>
+            <a:ext cx="5389033" cy="3951288"/>
+          </a:xfrm>
+        </p:spPr>
+        <p:txBody>
+          <a:bodyPr/>
+          <a:lstStyle>
+            <a:lvl1pPr>
+              <a:defRPr sz="2400"/>
+            </a:lvl1pPr>
+            <a:lvl2pPr>
+              <a:defRPr sz="2000"/>
+            </a:lvl2pPr>
+            <a:lvl3pPr>
+              <a:defRPr sz="1800"/>
+            </a:lvl3pPr>
+            <a:lvl4pPr>
+              <a:defRPr sz="1600"/>
+            </a:lvl4pPr>
+            <a:lvl5pPr>
+              <a:defRPr sz="1600"/>
+            </a:lvl5pPr>
+            <a:lvl6pPr>
+              <a:defRPr sz="1600"/>
+            </a:lvl6pPr>
+            <a:lvl7pPr>
+              <a:defRPr sz="1600"/>
+            </a:lvl7pPr>
+            <a:lvl8pPr>
+              <a:defRPr sz="1600"/>
+            </a:lvl8pPr>
+            <a:lvl9pPr>
+              <a:defRPr sz="1600"/>
+            </a:lvl9pPr>
+          </a:lstStyle>
+          <a:p>
+            <a:pPr lvl="0">
+              <a:defRPr/>
+            </a:pPr>
+            <a:r>
+              <a:rPr/>
+              <a:t>Образец текста</a:t>
+            </a:r>
+            <a:endParaRPr/>
+          </a:p>
+          <a:p>
+            <a:pPr lvl="1">
+              <a:defRPr/>
+            </a:pPr>
+            <a:r>
+              <a:rPr/>
+              <a:t>Второй уровень</a:t>
+            </a:r>
+            <a:endParaRPr/>
+          </a:p>
+          <a:p>
+            <a:pPr lvl="2">
+              <a:defRPr/>
+            </a:pPr>
+            <a:r>
+              <a:rPr/>
+              <a:t>Третий уровень</a:t>
+            </a:r>
+            <a:endParaRPr/>
+          </a:p>
+          <a:p>
+            <a:pPr lvl="3">
+              <a:defRPr/>
+            </a:pPr>
+            <a:r>
+              <a:rPr/>
+              <a:t>Четвертый уровень</a:t>
+            </a:r>
+            <a:endParaRPr/>
+          </a:p>
+          <a:p>
+            <a:pPr lvl="4">
+              <a:defRPr/>
+            </a:pPr>
+            <a:r>
+              <a:rPr/>
+              <a:t>Пятый уровень</a:t>
+            </a:r>
+            <a:endParaRPr/>
+          </a:p>
+        </p:txBody>
+      </p:sp>
+      <p:sp>
+        <p:nvSpPr>
+          <p:cNvPr id="7" name="Дата 6"/>
           <p:cNvSpPr>
             <a:spLocks noGrp="1"/>
           </p:cNvSpPr>
@@ -2683,17 +3267,17 @@
             <a:pPr>
               <a:defRPr/>
             </a:pPr>
-            <a:fld id="{BCC18F51-09EC-435C-A3BA-64A766E099C0}" type="datetimeFigureOut">
-              <a:rPr lang="pt-BR"/>
-              <a:t>30.10.2013</a:t>
+            <a:fld id="{A69D51E0-3758-456B-809F-07B187805C7D}" type="datetimeFigureOut">
+              <a:rPr/>
+              <a:t>22.10.2013</a:t>
             </a:fld>
-            <a:endParaRPr lang="pt-BR"/>
-          </a:p>
-        </p:txBody>
-      </p:sp>
-      <p:sp>
-        <p:nvSpPr>
-          <p:cNvPr id="4" name="Marcador de Posição do Rodapé 3"/>
+            <a:endParaRPr/>
+          </a:p>
+        </p:txBody>
+      </p:sp>
+      <p:sp>
+        <p:nvSpPr>
+          <p:cNvPr id="8" name="Нижний колонтитул 7"/>
           <p:cNvSpPr>
             <a:spLocks noGrp="1"/>
           </p:cNvSpPr>
@@ -2709,13 +3293,13 @@
             <a:pPr>
               <a:defRPr/>
             </a:pPr>
-            <a:endParaRPr lang="pt-BR"/>
-          </a:p>
-        </p:txBody>
-      </p:sp>
-      <p:sp>
-        <p:nvSpPr>
-          <p:cNvPr id="5" name="Marcador de Posição do Número do Diapositivo 4"/>
+            <a:endParaRPr/>
+          </a:p>
+        </p:txBody>
+      </p:sp>
+      <p:sp>
+        <p:nvSpPr>
+          <p:cNvPr id="9" name="Номер слайда 8"/>
           <p:cNvSpPr>
             <a:spLocks noGrp="1"/>
           </p:cNvSpPr>
@@ -2731,11 +3315,11 @@
             <a:pPr>
               <a:defRPr/>
             </a:pPr>
-            <a:fld id="{08395586-F03A-48D1-94DF-16B239DF4FB5}" type="slidenum">
-              <a:rPr lang="pt-BR"/>
+            <a:fld id="{4D3B38E7-149F-4D77-9EEF-9309C2CB69A9}" type="slidenum">
+              <a:rPr/>
               <a:t>‹#›</a:t>
             </a:fld>
-            <a:endParaRPr lang="pt-BR"/>
+            <a:endParaRPr/>
           </a:p>
         </p:txBody>
       </p:sp>
@@ -2747,9 +3331,9 @@
 </p:sldLayout>
 </file>
 
-<file path=ppt/slideLayouts/slideLayout7.xml><?xml version="1.0" encoding="utf-8"?>
-<p:sldLayout xmlns:a="http://schemas.openxmlformats.org/drawingml/2006/main" xmlns:r="http://schemas.openxmlformats.org/officeDocument/2006/relationships" xmlns:p="http://schemas.openxmlformats.org/presentationml/2006/main" xmlns:m="http://schemas.openxmlformats.org/officeDocument/2006/math" xmlns:w="http://schemas.openxmlformats.org/wordprocessingml/2006/main" matchingName="" preserve="1" showMasterPhAnim="0" type="blank" userDrawn="1">
-  <p:cSld name="Em branco">
+<file path=ppt/slideLayouts/slideLayout6.xml><?xml version="1.0" encoding="utf-8"?>
+<p:sldLayout xmlns:a="http://schemas.openxmlformats.org/drawingml/2006/main" xmlns:r="http://schemas.openxmlformats.org/officeDocument/2006/relationships" xmlns:p="http://schemas.openxmlformats.org/presentationml/2006/main" xmlns:m="http://schemas.openxmlformats.org/officeDocument/2006/math" xmlns:w="http://schemas.openxmlformats.org/wordprocessingml/2006/main" matchingName="" preserve="0" showMasterPhAnim="0" type="titleOnly" userDrawn="1">
+  <p:cSld name="Title Only">
     <p:spTree>
       <p:nvGrpSpPr>
         <p:cNvPr id="1" name=""/>
@@ -2766,7 +3350,33 @@
       </p:grpSpPr>
       <p:sp>
         <p:nvSpPr>
-          <p:cNvPr id="2" name="Marcador de Posição da Data 1"/>
+          <p:cNvPr id="2" name="Заголовок 1"/>
+          <p:cNvSpPr>
+            <a:spLocks noGrp="1"/>
+          </p:cNvSpPr>
+          <p:nvPr>
+            <p:ph type="title"/>
+          </p:nvPr>
+        </p:nvSpPr>
+        <p:spPr bwMode="auto"/>
+        <p:txBody>
+          <a:bodyPr/>
+          <a:lstStyle/>
+          <a:p>
+            <a:pPr>
+              <a:defRPr/>
+            </a:pPr>
+            <a:r>
+              <a:rPr/>
+              <a:t>Образец заголовка</a:t>
+            </a:r>
+            <a:endParaRPr/>
+          </a:p>
+        </p:txBody>
+      </p:sp>
+      <p:sp>
+        <p:nvSpPr>
+          <p:cNvPr id="3" name="Дата 2"/>
           <p:cNvSpPr>
             <a:spLocks noGrp="1"/>
           </p:cNvSpPr>
@@ -2782,17 +3392,17 @@
             <a:pPr>
               <a:defRPr/>
             </a:pPr>
-            <a:fld id="{BCC18F51-09EC-435C-A3BA-64A766E099C0}" type="datetimeFigureOut">
-              <a:rPr lang="pt-BR"/>
-              <a:t>30.10.2013</a:t>
+            <a:fld id="{A69D51E0-3758-456B-809F-07B187805C7D}" type="datetimeFigureOut">
+              <a:rPr/>
+              <a:t>22.10.2013</a:t>
             </a:fld>
-            <a:endParaRPr lang="pt-BR"/>
-          </a:p>
-        </p:txBody>
-      </p:sp>
-      <p:sp>
-        <p:nvSpPr>
-          <p:cNvPr id="3" name="Marcador de Posição do Rodapé 2"/>
+            <a:endParaRPr/>
+          </a:p>
+        </p:txBody>
+      </p:sp>
+      <p:sp>
+        <p:nvSpPr>
+          <p:cNvPr id="4" name="Нижний колонтитул 3"/>
           <p:cNvSpPr>
             <a:spLocks noGrp="1"/>
           </p:cNvSpPr>
@@ -2808,13 +3418,13 @@
             <a:pPr>
               <a:defRPr/>
             </a:pPr>
-            <a:endParaRPr lang="pt-BR"/>
-          </a:p>
-        </p:txBody>
-      </p:sp>
-      <p:sp>
-        <p:nvSpPr>
-          <p:cNvPr id="4" name="Marcador de Posição do Número do Diapositivo 3"/>
+            <a:endParaRPr/>
+          </a:p>
+        </p:txBody>
+      </p:sp>
+      <p:sp>
+        <p:nvSpPr>
+          <p:cNvPr id="5" name="Номер слайда 4"/>
           <p:cNvSpPr>
             <a:spLocks noGrp="1"/>
           </p:cNvSpPr>
@@ -2830,11 +3440,11 @@
             <a:pPr>
               <a:defRPr/>
             </a:pPr>
-            <a:fld id="{08395586-F03A-48D1-94DF-16B239DF4FB5}" type="slidenum">
-              <a:rPr lang="pt-BR"/>
+            <a:fld id="{4D3B38E7-149F-4D77-9EEF-9309C2CB69A9}" type="slidenum">
+              <a:rPr/>
               <a:t>‹#›</a:t>
             </a:fld>
-            <a:endParaRPr lang="pt-BR"/>
+            <a:endParaRPr/>
           </a:p>
         </p:txBody>
       </p:sp>
@@ -2846,9 +3456,9 @@
 </p:sldLayout>
 </file>
 
-<file path=ppt/slideLayouts/slideLayout8.xml><?xml version="1.0" encoding="utf-8"?>
-<p:sldLayout xmlns:a="http://schemas.openxmlformats.org/drawingml/2006/main" xmlns:r="http://schemas.openxmlformats.org/officeDocument/2006/relationships" xmlns:p="http://schemas.openxmlformats.org/presentationml/2006/main" xmlns:m="http://schemas.openxmlformats.org/officeDocument/2006/math" xmlns:w="http://schemas.openxmlformats.org/wordprocessingml/2006/main" matchingName="" preserve="1" showMasterPhAnim="0" type="objTx" userDrawn="1">
-  <p:cSld name="Conteúdo com Legenda">
+<file path=ppt/slideLayouts/slideLayout7.xml><?xml version="1.0" encoding="utf-8"?>
+<p:sldLayout xmlns:a="http://schemas.openxmlformats.org/drawingml/2006/main" xmlns:r="http://schemas.openxmlformats.org/officeDocument/2006/relationships" xmlns:p="http://schemas.openxmlformats.org/presentationml/2006/main" xmlns:m="http://schemas.openxmlformats.org/officeDocument/2006/math" xmlns:w="http://schemas.openxmlformats.org/wordprocessingml/2006/main" matchingName="" preserve="0" showMasterPhAnim="0" type="blank" userDrawn="1">
+  <p:cSld name="Blank">
     <p:spTree>
       <p:nvGrpSpPr>
         <p:cNvPr id="1" name=""/>
@@ -2865,7 +3475,106 @@
       </p:grpSpPr>
       <p:sp>
         <p:nvSpPr>
-          <p:cNvPr id="2" name="Título 1"/>
+          <p:cNvPr id="2" name="Дата 1"/>
+          <p:cNvSpPr>
+            <a:spLocks noGrp="1"/>
+          </p:cNvSpPr>
+          <p:nvPr>
+            <p:ph type="dt" sz="half" idx="10"/>
+          </p:nvPr>
+        </p:nvSpPr>
+        <p:spPr bwMode="auto"/>
+        <p:txBody>
+          <a:bodyPr/>
+          <a:lstStyle/>
+          <a:p>
+            <a:pPr>
+              <a:defRPr/>
+            </a:pPr>
+            <a:fld id="{A69D51E0-3758-456B-809F-07B187805C7D}" type="datetimeFigureOut">
+              <a:rPr/>
+              <a:t>22.10.2013</a:t>
+            </a:fld>
+            <a:endParaRPr/>
+          </a:p>
+        </p:txBody>
+      </p:sp>
+      <p:sp>
+        <p:nvSpPr>
+          <p:cNvPr id="3" name="Нижний колонтитул 2"/>
+          <p:cNvSpPr>
+            <a:spLocks noGrp="1"/>
+          </p:cNvSpPr>
+          <p:nvPr>
+            <p:ph type="ftr" sz="quarter" idx="11"/>
+          </p:nvPr>
+        </p:nvSpPr>
+        <p:spPr bwMode="auto"/>
+        <p:txBody>
+          <a:bodyPr/>
+          <a:lstStyle/>
+          <a:p>
+            <a:pPr>
+              <a:defRPr/>
+            </a:pPr>
+            <a:endParaRPr/>
+          </a:p>
+        </p:txBody>
+      </p:sp>
+      <p:sp>
+        <p:nvSpPr>
+          <p:cNvPr id="4" name="Номер слайда 3"/>
+          <p:cNvSpPr>
+            <a:spLocks noGrp="1"/>
+          </p:cNvSpPr>
+          <p:nvPr>
+            <p:ph type="sldNum" sz="quarter" idx="12"/>
+          </p:nvPr>
+        </p:nvSpPr>
+        <p:spPr bwMode="auto"/>
+        <p:txBody>
+          <a:bodyPr/>
+          <a:lstStyle/>
+          <a:p>
+            <a:pPr>
+              <a:defRPr/>
+            </a:pPr>
+            <a:fld id="{4D3B38E7-149F-4D77-9EEF-9309C2CB69A9}" type="slidenum">
+              <a:rPr/>
+              <a:t>‹#›</a:t>
+            </a:fld>
+            <a:endParaRPr/>
+          </a:p>
+        </p:txBody>
+      </p:sp>
+    </p:spTree>
+  </p:cSld>
+  <p:clrMapOvr>
+    <a:masterClrMapping/>
+  </p:clrMapOvr>
+</p:sldLayout>
+</file>
+
+<file path=ppt/slideLayouts/slideLayout8.xml><?xml version="1.0" encoding="utf-8"?>
+<p:sldLayout xmlns:a="http://schemas.openxmlformats.org/drawingml/2006/main" xmlns:r="http://schemas.openxmlformats.org/officeDocument/2006/relationships" xmlns:p="http://schemas.openxmlformats.org/presentationml/2006/main" xmlns:m="http://schemas.openxmlformats.org/officeDocument/2006/math" xmlns:w="http://schemas.openxmlformats.org/wordprocessingml/2006/main" matchingName="" preserve="0" showMasterPhAnim="0" type="objTx" userDrawn="1">
+  <p:cSld name="Content with Caption">
+    <p:spTree>
+      <p:nvGrpSpPr>
+        <p:cNvPr id="1" name=""/>
+        <p:cNvGrpSpPr/>
+        <p:nvPr/>
+      </p:nvGrpSpPr>
+      <p:grpSpPr bwMode="auto">
+        <a:xfrm>
+          <a:off x="0" y="0"/>
+          <a:ext cx="0" cy="0"/>
+          <a:chOff x="0" y="0"/>
+          <a:chExt cx="0" cy="0"/>
+        </a:xfrm>
+      </p:grpSpPr>
+      <p:sp>
+        <p:nvSpPr>
+          <p:cNvPr id="2" name="Заголовок 1"/>
           <p:cNvSpPr>
             <a:spLocks noGrp="1"/>
           </p:cNvSpPr>
@@ -2875,15 +3584,15 @@
         </p:nvSpPr>
         <p:spPr bwMode="auto">
           <a:xfrm>
-            <a:off x="839788" y="457200"/>
-            <a:ext cx="3932237" cy="1600200"/>
+            <a:off x="609603" y="273049"/>
+            <a:ext cx="4011084" cy="1162050"/>
           </a:xfrm>
         </p:spPr>
         <p:txBody>
           <a:bodyPr anchor="b"/>
           <a:lstStyle>
-            <a:lvl1pPr>
-              <a:defRPr sz="3200"/>
+            <a:lvl1pPr algn="l">
+              <a:defRPr sz="2000" b="1"/>
             </a:lvl1pPr>
           </a:lstStyle>
           <a:p>
@@ -2891,16 +3600,16 @@
               <a:defRPr/>
             </a:pPr>
             <a:r>
-              <a:rPr lang="pt-BR"/>
-              <a:t>Click to edit Master title style</a:t>
-            </a:r>
-            <a:endParaRPr lang="pt-BR"/>
-          </a:p>
-        </p:txBody>
-      </p:sp>
-      <p:sp>
-        <p:nvSpPr>
-          <p:cNvPr id="3" name="Marcador de Posição de Conteúdo 2"/>
+              <a:rPr/>
+              <a:t>Образец заголовка</a:t>
+            </a:r>
+            <a:endParaRPr/>
+          </a:p>
+        </p:txBody>
+      </p:sp>
+      <p:sp>
+        <p:nvSpPr>
+          <p:cNvPr id="3" name="Объект 2"/>
           <p:cNvSpPr>
             <a:spLocks noGrp="1"/>
           </p:cNvSpPr>
@@ -2910,8 +3619,8 @@
         </p:nvSpPr>
         <p:spPr bwMode="auto">
           <a:xfrm>
-            <a:off x="5183188" y="987425"/>
-            <a:ext cx="6172200" cy="4873625"/>
+            <a:off x="4766732" y="273051"/>
+            <a:ext cx="6815666" cy="5853113"/>
           </a:xfrm>
         </p:spPr>
         <p:txBody>
@@ -2950,8 +3659,8 @@
               <a:defRPr/>
             </a:pPr>
             <a:r>
-              <a:rPr lang="pt-BR"/>
-              <a:t>Clique para editar os estilos</a:t>
+              <a:rPr/>
+              <a:t>Образец текста</a:t>
             </a:r>
             <a:endParaRPr/>
           </a:p>
@@ -2960,8 +3669,8 @@
               <a:defRPr/>
             </a:pPr>
             <a:r>
-              <a:rPr lang="pt-BR"/>
-              <a:t>Segundo nível</a:t>
+              <a:rPr/>
+              <a:t>Второй уровень</a:t>
             </a:r>
             <a:endParaRPr/>
           </a:p>
@@ -2970,8 +3679,8 @@
               <a:defRPr/>
             </a:pPr>
             <a:r>
-              <a:rPr lang="pt-BR"/>
-              <a:t>Terceiro nível</a:t>
+              <a:rPr/>
+              <a:t>Третий уровень</a:t>
             </a:r>
             <a:endParaRPr/>
           </a:p>
@@ -2980,8 +3689,8 @@
               <a:defRPr/>
             </a:pPr>
             <a:r>
-              <a:rPr lang="pt-BR"/>
-              <a:t>Quarto nível</a:t>
+              <a:rPr/>
+              <a:t>Четвертый уровень</a:t>
             </a:r>
             <a:endParaRPr/>
           </a:p>
@@ -2990,16 +3699,16 @@
               <a:defRPr/>
             </a:pPr>
             <a:r>
-              <a:rPr lang="pt-BR"/>
-              <a:t>Quinto nível</a:t>
-            </a:r>
-            <a:endParaRPr lang="pt-BR"/>
-          </a:p>
-        </p:txBody>
-      </p:sp>
-      <p:sp>
-        <p:nvSpPr>
-          <p:cNvPr id="4" name="Marcador de Posição do Texto 3"/>
+              <a:rPr/>
+              <a:t>Пятый уровень</a:t>
+            </a:r>
+            <a:endParaRPr/>
+          </a:p>
+        </p:txBody>
+      </p:sp>
+      <p:sp>
+        <p:nvSpPr>
+          <p:cNvPr id="4" name="Текст 3"/>
           <p:cNvSpPr>
             <a:spLocks noGrp="1"/>
           </p:cNvSpPr>
@@ -3009,8 +3718,8 @@
         </p:nvSpPr>
         <p:spPr bwMode="auto">
           <a:xfrm>
-            <a:off x="839788" y="2057400"/>
-            <a:ext cx="3932237" cy="3811588"/>
+            <a:off x="609603" y="1435102"/>
+            <a:ext cx="4011084" cy="4691062"/>
           </a:xfrm>
         </p:spPr>
         <p:txBody>
@@ -3018,39 +3727,39 @@
           <a:lstStyle>
             <a:lvl1pPr marL="0" indent="0">
               <a:buNone/>
-              <a:defRPr sz="1600"/>
+              <a:defRPr sz="1400"/>
             </a:lvl1pPr>
             <a:lvl2pPr marL="457200" indent="0">
               <a:buNone/>
-              <a:defRPr sz="1400"/>
+              <a:defRPr sz="1200"/>
             </a:lvl2pPr>
             <a:lvl3pPr marL="914400" indent="0">
               <a:buNone/>
-              <a:defRPr sz="1200"/>
+              <a:defRPr sz="1000"/>
             </a:lvl3pPr>
             <a:lvl4pPr marL="1371600" indent="0">
               <a:buNone/>
-              <a:defRPr sz="1000"/>
+              <a:defRPr sz="900"/>
             </a:lvl4pPr>
             <a:lvl5pPr marL="1828800" indent="0">
               <a:buNone/>
-              <a:defRPr sz="1000"/>
+              <a:defRPr sz="900"/>
             </a:lvl5pPr>
             <a:lvl6pPr marL="2286000" indent="0">
               <a:buNone/>
-              <a:defRPr sz="1000"/>
+              <a:defRPr sz="900"/>
             </a:lvl6pPr>
             <a:lvl7pPr marL="2743200" indent="0">
               <a:buNone/>
-              <a:defRPr sz="1000"/>
+              <a:defRPr sz="900"/>
             </a:lvl7pPr>
             <a:lvl8pPr marL="3200400" indent="0">
               <a:buNone/>
-              <a:defRPr sz="1000"/>
+              <a:defRPr sz="900"/>
             </a:lvl8pPr>
             <a:lvl9pPr marL="3657600" indent="0">
               <a:buNone/>
-              <a:defRPr sz="1000"/>
+              <a:defRPr sz="900"/>
             </a:lvl9pPr>
           </a:lstStyle>
           <a:p>
@@ -3058,16 +3767,16 @@
               <a:defRPr/>
             </a:pPr>
             <a:r>
-              <a:rPr lang="pt-BR"/>
-              <a:t>Clique para editar os estilos</a:t>
-            </a:r>
-            <a:endParaRPr/>
-          </a:p>
-        </p:txBody>
-      </p:sp>
-      <p:sp>
-        <p:nvSpPr>
-          <p:cNvPr id="5" name="Marcador de Posição da Data 4"/>
+              <a:rPr/>
+              <a:t>Образец текста</a:t>
+            </a:r>
+            <a:endParaRPr/>
+          </a:p>
+        </p:txBody>
+      </p:sp>
+      <p:sp>
+        <p:nvSpPr>
+          <p:cNvPr id="5" name="Дата 4"/>
           <p:cNvSpPr>
             <a:spLocks noGrp="1"/>
           </p:cNvSpPr>
@@ -3083,17 +3792,17 @@
             <a:pPr>
               <a:defRPr/>
             </a:pPr>
-            <a:fld id="{BCC18F51-09EC-435C-A3BA-64A766E099C0}" type="datetimeFigureOut">
-              <a:rPr lang="pt-BR"/>
-              <a:t>30.10.2013</a:t>
+            <a:fld id="{A69D51E0-3758-456B-809F-07B187805C7D}" type="datetimeFigureOut">
+              <a:rPr/>
+              <a:t>22.10.2013</a:t>
             </a:fld>
-            <a:endParaRPr lang="pt-BR"/>
-          </a:p>
-        </p:txBody>
-      </p:sp>
-      <p:sp>
-        <p:nvSpPr>
-          <p:cNvPr id="6" name="Marcador de Posição do Rodapé 5"/>
+            <a:endParaRPr/>
+          </a:p>
+        </p:txBody>
+      </p:sp>
+      <p:sp>
+        <p:nvSpPr>
+          <p:cNvPr id="6" name="Нижний колонтитул 5"/>
           <p:cNvSpPr>
             <a:spLocks noGrp="1"/>
           </p:cNvSpPr>
@@ -3109,13 +3818,13 @@
             <a:pPr>
               <a:defRPr/>
             </a:pPr>
-            <a:endParaRPr lang="pt-BR"/>
-          </a:p>
-        </p:txBody>
-      </p:sp>
-      <p:sp>
-        <p:nvSpPr>
-          <p:cNvPr id="7" name="Marcador de Posição do Número do Diapositivo 6"/>
+            <a:endParaRPr/>
+          </a:p>
+        </p:txBody>
+      </p:sp>
+      <p:sp>
+        <p:nvSpPr>
+          <p:cNvPr id="7" name="Номер слайда 6"/>
           <p:cNvSpPr>
             <a:spLocks noGrp="1"/>
           </p:cNvSpPr>
@@ -3131,11 +3840,11 @@
             <a:pPr>
               <a:defRPr/>
             </a:pPr>
-            <a:fld id="{08395586-F03A-48D1-94DF-16B239DF4FB5}" type="slidenum">
-              <a:rPr lang="pt-BR"/>
+            <a:fld id="{4D3B38E7-149F-4D77-9EEF-9309C2CB69A9}" type="slidenum">
+              <a:rPr/>
               <a:t>‹#›</a:t>
             </a:fld>
-            <a:endParaRPr lang="pt-BR"/>
+            <a:endParaRPr/>
           </a:p>
         </p:txBody>
       </p:sp>
@@ -3148,8 +3857,8 @@
 </file>
 
 <file path=ppt/slideLayouts/slideLayout9.xml><?xml version="1.0" encoding="utf-8"?>
-<p:sldLayout xmlns:a="http://schemas.openxmlformats.org/drawingml/2006/main" xmlns:r="http://schemas.openxmlformats.org/officeDocument/2006/relationships" xmlns:p="http://schemas.openxmlformats.org/presentationml/2006/main" xmlns:m="http://schemas.openxmlformats.org/officeDocument/2006/math" xmlns:w="http://schemas.openxmlformats.org/wordprocessingml/2006/main" matchingName="" preserve="1" showMasterPhAnim="0" type="picTx" userDrawn="1">
-  <p:cSld name="Imagem com Legenda">
+<p:sldLayout xmlns:a="http://schemas.openxmlformats.org/drawingml/2006/main" xmlns:r="http://schemas.openxmlformats.org/officeDocument/2006/relationships" xmlns:p="http://schemas.openxmlformats.org/presentationml/2006/main" xmlns:m="http://schemas.openxmlformats.org/officeDocument/2006/math" xmlns:w="http://schemas.openxmlformats.org/wordprocessingml/2006/main" matchingName="" preserve="0" showMasterPhAnim="0" type="picTx" userDrawn="1">
+  <p:cSld name="Picture with Caption">
     <p:spTree>
       <p:nvGrpSpPr>
         <p:cNvPr id="1" name=""/>
@@ -3166,7 +3875,7 @@
       </p:grpSpPr>
       <p:sp>
         <p:nvSpPr>
-          <p:cNvPr id="2" name="Título 1"/>
+          <p:cNvPr id="2" name="Заголовок 1"/>
           <p:cNvSpPr>
             <a:spLocks noGrp="1"/>
           </p:cNvSpPr>
@@ -3176,15 +3885,15 @@
         </p:nvSpPr>
         <p:spPr bwMode="auto">
           <a:xfrm>
-            <a:off x="839788" y="457200"/>
-            <a:ext cx="3932237" cy="1600200"/>
+            <a:off x="2389717" y="4800601"/>
+            <a:ext cx="7315200" cy="566738"/>
           </a:xfrm>
         </p:spPr>
         <p:txBody>
           <a:bodyPr anchor="b"/>
           <a:lstStyle>
-            <a:lvl1pPr>
-              <a:defRPr sz="3200"/>
+            <a:lvl1pPr algn="l">
+              <a:defRPr sz="2000" b="1"/>
             </a:lvl1pPr>
           </a:lstStyle>
           <a:p>
@@ -3192,18 +3901,18 @@
               <a:defRPr/>
             </a:pPr>
             <a:r>
-              <a:rPr lang="pt-BR"/>
-              <a:t>Clique para editar o estilo</a:t>
-            </a:r>
-            <a:endParaRPr lang="pt-BR"/>
-          </a:p>
-        </p:txBody>
-      </p:sp>
-      <p:sp>
-        <p:nvSpPr>
-          <p:cNvPr id="3" name="Marcador de Posição da Imagem 2"/>
-          <p:cNvSpPr>
-            <a:spLocks noChangeAspect="1" noGrp="1"/>
+              <a:rPr/>
+              <a:t>Образец заголовка</a:t>
+            </a:r>
+            <a:endParaRPr/>
+          </a:p>
+        </p:txBody>
+      </p:sp>
+      <p:sp>
+        <p:nvSpPr>
+          <p:cNvPr id="3" name="Рисунок 2"/>
+          <p:cNvSpPr>
+            <a:spLocks noGrp="1"/>
           </p:cNvSpPr>
           <p:nvPr>
             <p:ph type="pic" idx="1"/>
@@ -3211,12 +3920,12 @@
         </p:nvSpPr>
         <p:spPr bwMode="auto">
           <a:xfrm>
-            <a:off x="5183188" y="987425"/>
-            <a:ext cx="6172200" cy="4873625"/>
+            <a:off x="2389717" y="612774"/>
+            <a:ext cx="7315200" cy="4114799"/>
           </a:xfrm>
         </p:spPr>
         <p:txBody>
-          <a:bodyPr anchor="t"/>
+          <a:bodyPr/>
           <a:lstStyle>
             <a:lvl1pPr marL="0" indent="0">
               <a:buNone/>
@@ -3259,17 +3968,13 @@
             <a:pPr>
               <a:defRPr/>
             </a:pPr>
-            <a:r>
-              <a:rPr lang="pt-BR"/>
-              <a:t>Clique no ícone para adicionar imagem</a:t>
-            </a:r>
-            <a:endParaRPr lang="pt-BR"/>
-          </a:p>
-        </p:txBody>
-      </p:sp>
-      <p:sp>
-        <p:nvSpPr>
-          <p:cNvPr id="4" name="Marcador de Posição do Texto 3"/>
+            <a:endParaRPr/>
+          </a:p>
+        </p:txBody>
+      </p:sp>
+      <p:sp>
+        <p:nvSpPr>
+          <p:cNvPr id="4" name="Текст 3"/>
           <p:cNvSpPr>
             <a:spLocks noGrp="1"/>
           </p:cNvSpPr>
@@ -3279,8 +3984,8 @@
         </p:nvSpPr>
         <p:spPr bwMode="auto">
           <a:xfrm>
-            <a:off x="839788" y="2057400"/>
-            <a:ext cx="3932237" cy="3811588"/>
+            <a:off x="2389717" y="5367338"/>
+            <a:ext cx="7315200" cy="804862"/>
           </a:xfrm>
         </p:spPr>
         <p:txBody>
@@ -3288,39 +3993,39 @@
           <a:lstStyle>
             <a:lvl1pPr marL="0" indent="0">
               <a:buNone/>
-              <a:defRPr sz="1600"/>
+              <a:defRPr sz="1400"/>
             </a:lvl1pPr>
             <a:lvl2pPr marL="457200" indent="0">
               <a:buNone/>
-              <a:defRPr sz="1400"/>
+              <a:defRPr sz="1200"/>
             </a:lvl2pPr>
             <a:lvl3pPr marL="914400" indent="0">
               <a:buNone/>
-              <a:defRPr sz="1200"/>
+              <a:defRPr sz="1000"/>
             </a:lvl3pPr>
             <a:lvl4pPr marL="1371600" indent="0">
               <a:buNone/>
-              <a:defRPr sz="1000"/>
+              <a:defRPr sz="900"/>
             </a:lvl4pPr>
             <a:lvl5pPr marL="1828800" indent="0">
               <a:buNone/>
-              <a:defRPr sz="1000"/>
+              <a:defRPr sz="900"/>
             </a:lvl5pPr>
             <a:lvl6pPr marL="2286000" indent="0">
               <a:buNone/>
-              <a:defRPr sz="1000"/>
+              <a:defRPr sz="900"/>
             </a:lvl6pPr>
             <a:lvl7pPr marL="2743200" indent="0">
               <a:buNone/>
-              <a:defRPr sz="1000"/>
+              <a:defRPr sz="900"/>
             </a:lvl7pPr>
             <a:lvl8pPr marL="3200400" indent="0">
               <a:buNone/>
-              <a:defRPr sz="1000"/>
+              <a:defRPr sz="900"/>
             </a:lvl8pPr>
             <a:lvl9pPr marL="3657600" indent="0">
               <a:buNone/>
-              <a:defRPr sz="1000"/>
+              <a:defRPr sz="900"/>
             </a:lvl9pPr>
           </a:lstStyle>
           <a:p>
@@ -3328,16 +4033,16 @@
               <a:defRPr/>
             </a:pPr>
             <a:r>
-              <a:rPr lang="pt-BR"/>
-              <a:t>Clique para editar os estilos</a:t>
-            </a:r>
-            <a:endParaRPr/>
-          </a:p>
-        </p:txBody>
-      </p:sp>
-      <p:sp>
-        <p:nvSpPr>
-          <p:cNvPr id="5" name="Marcador de Posição da Data 4"/>
+              <a:rPr/>
+              <a:t>Образец текста</a:t>
+            </a:r>
+            <a:endParaRPr/>
+          </a:p>
+        </p:txBody>
+      </p:sp>
+      <p:sp>
+        <p:nvSpPr>
+          <p:cNvPr id="5" name="Дата 4"/>
           <p:cNvSpPr>
             <a:spLocks noGrp="1"/>
           </p:cNvSpPr>
@@ -3353,17 +4058,17 @@
             <a:pPr>
               <a:defRPr/>
             </a:pPr>
-            <a:fld id="{BCC18F51-09EC-435C-A3BA-64A766E099C0}" type="datetimeFigureOut">
-              <a:rPr lang="pt-BR"/>
-              <a:t>30.10.2013</a:t>
+            <a:fld id="{A69D51E0-3758-456B-809F-07B187805C7D}" type="datetimeFigureOut">
+              <a:rPr/>
+              <a:t>22.10.2013</a:t>
             </a:fld>
-            <a:endParaRPr lang="pt-BR"/>
-          </a:p>
-        </p:txBody>
-      </p:sp>
-      <p:sp>
-        <p:nvSpPr>
-          <p:cNvPr id="6" name="Marcador de Posição do Rodapé 5"/>
+            <a:endParaRPr/>
+          </a:p>
+        </p:txBody>
+      </p:sp>
+      <p:sp>
+        <p:nvSpPr>
+          <p:cNvPr id="6" name="Нижний колонтитул 5"/>
           <p:cNvSpPr>
             <a:spLocks noGrp="1"/>
           </p:cNvSpPr>
@@ -3379,13 +4084,13 @@
             <a:pPr>
               <a:defRPr/>
             </a:pPr>
-            <a:endParaRPr lang="pt-BR"/>
-          </a:p>
-        </p:txBody>
-      </p:sp>
-      <p:sp>
-        <p:nvSpPr>
-          <p:cNvPr id="7" name="Marcador de Posição do Número do Diapositivo 6"/>
+            <a:endParaRPr/>
+          </a:p>
+        </p:txBody>
+      </p:sp>
+      <p:sp>
+        <p:nvSpPr>
+          <p:cNvPr id="7" name="Номер слайда 6"/>
           <p:cNvSpPr>
             <a:spLocks noGrp="1"/>
           </p:cNvSpPr>
@@ -3401,11 +4106,11 @@
             <a:pPr>
               <a:defRPr/>
             </a:pPr>
-            <a:fld id="{08395586-F03A-48D1-94DF-16B239DF4FB5}" type="slidenum">
-              <a:rPr lang="pt-BR"/>
+            <a:fld id="{4D3B38E7-149F-4D77-9EEF-9309C2CB69A9}" type="slidenum">
+              <a:rPr/>
               <a:t>‹#›</a:t>
             </a:fld>
-            <a:endParaRPr lang="pt-BR"/>
+            <a:endParaRPr/>
           </a:p>
         </p:txBody>
       </p:sp>
@@ -3441,18 +4146,295 @@
       </p:grpSpPr>
       <p:sp>
         <p:nvSpPr>
-          <p:cNvPr id="2" name="Marcador de Posição do Título 1"/>
-          <p:cNvSpPr>
-            <a:spLocks noGrp="1"/>
-          </p:cNvSpPr>
-          <p:nvPr>
-            <p:ph type="title"/>
-          </p:nvPr>
+          <p:cNvPr id="7" name="Shape 1059"/>
+          <p:cNvSpPr>
+            <a:spLocks noChangeArrowheads="1" noGrp="1"/>
+          </p:cNvSpPr>
+          <p:nvPr userDrawn="1"/>
         </p:nvSpPr>
         <p:spPr bwMode="auto">
           <a:xfrm>
-            <a:off x="838200" y="365125"/>
-            <a:ext cx="10515600" cy="1325563"/>
+            <a:off x="4976706" y="2"/>
+            <a:ext cx="3058159" cy="893790"/>
+          </a:xfrm>
+          <a:custGeom>
+            <a:avLst/>
+            <a:gdLst/>
+            <a:ahLst/>
+            <a:cxnLst/>
+            <a:rect l="l" t="t" r="r" b="b"/>
+            <a:pathLst>
+              <a:path w="43200" h="43200" fill="norm" stroke="0" extrusionOk="0">
+                <a:moveTo>
+                  <a:pt x="0" y="0"/>
+                </a:moveTo>
+                <a:lnTo>
+                  <a:pt x="0" y="0"/>
+                </a:lnTo>
+                <a:cubicBezTo>
+                  <a:pt x="1690" y="6213"/>
+                  <a:pt x="3698" y="13338"/>
+                  <a:pt x="6091" y="21902"/>
+                </a:cubicBezTo>
+                <a:lnTo>
+                  <a:pt x="6091" y="21902"/>
+                </a:lnTo>
+                <a:cubicBezTo>
+                  <a:pt x="12043" y="43199"/>
+                  <a:pt x="17573" y="35347"/>
+                  <a:pt x="23417" y="30579"/>
+                </a:cubicBezTo>
+                <a:lnTo>
+                  <a:pt x="23417" y="30579"/>
+                </a:lnTo>
+                <a:cubicBezTo>
+                  <a:pt x="29984" y="25223"/>
+                  <a:pt x="42123" y="14119"/>
+                  <a:pt x="42860" y="5640"/>
+                </a:cubicBezTo>
+                <a:lnTo>
+                  <a:pt x="42860" y="5640"/>
+                </a:lnTo>
+                <a:cubicBezTo>
+                  <a:pt x="42960" y="4507"/>
+                  <a:pt x="43072" y="2479"/>
+                  <a:pt x="43200" y="0"/>
+                </a:cubicBezTo>
+                <a:lnTo>
+                  <a:pt x="0" y="0"/>
+                </a:lnTo>
+                <a:close/>
+              </a:path>
+            </a:pathLst>
+          </a:custGeom>
+          <a:solidFill>
+            <a:schemeClr val="bg1">
+              <a:lumMod val="85000"/>
+            </a:schemeClr>
+          </a:solidFill>
+          <a:ln w="9524">
+            <a:solidFill>
+              <a:srgbClr val="000000"/>
+            </a:solidFill>
+            <a:round/>
+            <a:headEnd/>
+            <a:tailEnd/>
+          </a:ln>
+        </p:spPr>
+      </p:sp>
+      <p:sp>
+        <p:nvSpPr>
+          <p:cNvPr id="8" name="Shape 1060"/>
+          <p:cNvSpPr>
+            <a:spLocks noChangeArrowheads="1" noGrp="1"/>
+          </p:cNvSpPr>
+          <p:nvPr userDrawn="1"/>
+        </p:nvSpPr>
+        <p:spPr bwMode="auto">
+          <a:xfrm>
+            <a:off x="-24679" y="1"/>
+            <a:ext cx="1399539" cy="1797558"/>
+          </a:xfrm>
+          <a:custGeom>
+            <a:avLst/>
+            <a:gdLst/>
+            <a:ahLst/>
+            <a:cxnLst/>
+            <a:rect l="l" t="t" r="r" b="b"/>
+            <a:pathLst>
+              <a:path w="43200" h="43200" fill="norm" stroke="0" extrusionOk="0">
+                <a:moveTo>
+                  <a:pt x="31743" y="2484"/>
+                </a:moveTo>
+                <a:lnTo>
+                  <a:pt x="31743" y="2484"/>
+                </a:lnTo>
+                <a:cubicBezTo>
+                  <a:pt x="30428" y="1799"/>
+                  <a:pt x="28450" y="1080"/>
+                  <a:pt x="26054" y="0"/>
+                </a:cubicBezTo>
+                <a:lnTo>
+                  <a:pt x="0" y="0"/>
+                </a:lnTo>
+                <a:lnTo>
+                  <a:pt x="0" y="34200"/>
+                </a:lnTo>
+                <a:lnTo>
+                  <a:pt x="0" y="34200"/>
+                </a:lnTo>
+                <a:cubicBezTo>
+                  <a:pt x="7029" y="37461"/>
+                  <a:pt x="14504" y="41491"/>
+                  <a:pt x="25070" y="40664"/>
+                </a:cubicBezTo>
+                <a:lnTo>
+                  <a:pt x="25070" y="40664"/>
+                </a:lnTo>
+                <a:cubicBezTo>
+                  <a:pt x="33399" y="40015"/>
+                  <a:pt x="43200" y="43200"/>
+                  <a:pt x="39593" y="28375"/>
+                </a:cubicBezTo>
+                <a:lnTo>
+                  <a:pt x="39593" y="28375"/>
+                </a:lnTo>
+                <a:cubicBezTo>
+                  <a:pt x="35986" y="13550"/>
+                  <a:pt x="38530" y="6023"/>
+                  <a:pt x="31743" y="2484"/>
+                </a:cubicBezTo>
+                <a:close/>
+              </a:path>
+            </a:pathLst>
+          </a:custGeom>
+          <a:solidFill>
+            <a:schemeClr val="bg1">
+              <a:lumMod val="85000"/>
+            </a:schemeClr>
+          </a:solidFill>
+          <a:ln w="9524">
+            <a:solidFill>
+              <a:srgbClr val="000000"/>
+            </a:solidFill>
+            <a:round/>
+            <a:headEnd/>
+            <a:tailEnd/>
+          </a:ln>
+        </p:spPr>
+      </p:sp>
+      <p:sp>
+        <p:nvSpPr>
+          <p:cNvPr id="9" name="Shape 1061"/>
+          <p:cNvSpPr>
+            <a:spLocks noChangeArrowheads="1" noGrp="1"/>
+          </p:cNvSpPr>
+          <p:nvPr userDrawn="1"/>
+        </p:nvSpPr>
+        <p:spPr bwMode="auto">
+          <a:xfrm>
+            <a:off x="1637457" y="1"/>
+            <a:ext cx="3839633" cy="2609650"/>
+          </a:xfrm>
+          <a:custGeom>
+            <a:avLst/>
+            <a:gdLst/>
+            <a:ahLst/>
+            <a:cxnLst/>
+            <a:rect l="l" t="t" r="r" b="b"/>
+            <a:pathLst>
+              <a:path w="43200" h="43200" fill="norm" stroke="0" extrusionOk="0">
+                <a:moveTo>
+                  <a:pt x="32864" y="0"/>
+                </a:moveTo>
+                <a:lnTo>
+                  <a:pt x="10583" y="0"/>
+                </a:lnTo>
+                <a:lnTo>
+                  <a:pt x="10583" y="0"/>
+                </a:lnTo>
+                <a:cubicBezTo>
+                  <a:pt x="9017" y="532"/>
+                  <a:pt x="7515" y="1058"/>
+                  <a:pt x="6214" y="1509"/>
+                </a:cubicBezTo>
+                <a:lnTo>
+                  <a:pt x="6214" y="1509"/>
+                </a:lnTo>
+                <a:cubicBezTo>
+                  <a:pt x="1428" y="3166"/>
+                  <a:pt x="0" y="6109"/>
+                  <a:pt x="212" y="8072"/>
+                </a:cubicBezTo>
+                <a:lnTo>
+                  <a:pt x="212" y="8072"/>
+                </a:lnTo>
+                <a:cubicBezTo>
+                  <a:pt x="758" y="13092"/>
+                  <a:pt x="1111" y="20742"/>
+                  <a:pt x="1212" y="25114"/>
+                </a:cubicBezTo>
+                <a:lnTo>
+                  <a:pt x="1212" y="25114"/>
+                </a:lnTo>
+                <a:cubicBezTo>
+                  <a:pt x="1301" y="28962"/>
+                  <a:pt x="4204" y="30446"/>
+                  <a:pt x="6906" y="31937"/>
+                </a:cubicBezTo>
+                <a:lnTo>
+                  <a:pt x="6906" y="31937"/>
+                </a:lnTo>
+                <a:cubicBezTo>
+                  <a:pt x="9246" y="33229"/>
+                  <a:pt x="19775" y="38395"/>
+                  <a:pt x="22112" y="39685"/>
+                </a:cubicBezTo>
+                <a:lnTo>
+                  <a:pt x="22112" y="39685"/>
+                </a:lnTo>
+                <a:cubicBezTo>
+                  <a:pt x="22112" y="39685"/>
+                  <a:pt x="27355" y="43200"/>
+                  <a:pt x="30298" y="38395"/>
+                </a:cubicBezTo>
+                <a:lnTo>
+                  <a:pt x="30298" y="38395"/>
+                </a:lnTo>
+                <a:cubicBezTo>
+                  <a:pt x="33277" y="33533"/>
+                  <a:pt x="36665" y="27667"/>
+                  <a:pt x="39367" y="23576"/>
+                </a:cubicBezTo>
+                <a:lnTo>
+                  <a:pt x="39367" y="23576"/>
+                </a:lnTo>
+                <a:cubicBezTo>
+                  <a:pt x="41761" y="19953"/>
+                  <a:pt x="43200" y="17587"/>
+                  <a:pt x="40977" y="12816"/>
+                </a:cubicBezTo>
+                <a:lnTo>
+                  <a:pt x="40977" y="12816"/>
+                </a:lnTo>
+                <a:cubicBezTo>
+                  <a:pt x="39697" y="10062"/>
+                  <a:pt x="35347" y="3936"/>
+                  <a:pt x="32864" y="0"/>
+                </a:cubicBezTo>
+                <a:close/>
+              </a:path>
+            </a:pathLst>
+          </a:custGeom>
+          <a:solidFill>
+            <a:schemeClr val="bg1">
+              <a:lumMod val="85000"/>
+            </a:schemeClr>
+          </a:solidFill>
+          <a:ln w="9524">
+            <a:solidFill>
+              <a:srgbClr val="000000"/>
+            </a:solidFill>
+            <a:round/>
+            <a:headEnd/>
+            <a:tailEnd/>
+          </a:ln>
+        </p:spPr>
+      </p:sp>
+      <p:sp>
+        <p:nvSpPr>
+          <p:cNvPr id="2" name="Заголовок 1"/>
+          <p:cNvSpPr>
+            <a:spLocks noGrp="1"/>
+          </p:cNvSpPr>
+          <p:nvPr>
+            <p:ph type="title"/>
+          </p:nvPr>
+        </p:nvSpPr>
+        <p:spPr bwMode="auto">
+          <a:xfrm>
+            <a:off x="609599" y="274638"/>
+            <a:ext cx="10972800" cy="1143000"/>
           </a:xfrm>
           <a:prstGeom prst="rect">
             <a:avLst/>
@@ -3468,16 +4450,16 @@
               <a:defRPr/>
             </a:pPr>
             <a:r>
-              <a:rPr lang="pt-BR"/>
-              <a:t>Clique para editar o estilo</a:t>
-            </a:r>
-            <a:endParaRPr lang="pt-BR"/>
-          </a:p>
-        </p:txBody>
-      </p:sp>
-      <p:sp>
-        <p:nvSpPr>
-          <p:cNvPr id="3" name="Marcador de Posição do Texto 2"/>
+              <a:rPr/>
+              <a:t>Образец заголовка</a:t>
+            </a:r>
+            <a:endParaRPr/>
+          </a:p>
+        </p:txBody>
+      </p:sp>
+      <p:sp>
+        <p:nvSpPr>
+          <p:cNvPr id="3" name="Текст 2"/>
           <p:cNvSpPr>
             <a:spLocks noGrp="1"/>
           </p:cNvSpPr>
@@ -3487,8 +4469,8 @@
         </p:nvSpPr>
         <p:spPr bwMode="auto">
           <a:xfrm>
-            <a:off x="838200" y="1825625"/>
-            <a:ext cx="10515600" cy="4351338"/>
+            <a:off x="609599" y="1600201"/>
+            <a:ext cx="10972800" cy="4525962"/>
           </a:xfrm>
           <a:prstGeom prst="rect">
             <a:avLst/>
@@ -3504,8 +4486,8 @@
               <a:defRPr/>
             </a:pPr>
             <a:r>
-              <a:rPr lang="pt-BR"/>
-              <a:t>Clique para editar os estilos</a:t>
+              <a:rPr/>
+              <a:t>Образец текста</a:t>
             </a:r>
             <a:endParaRPr/>
           </a:p>
@@ -3514,8 +4496,8 @@
               <a:defRPr/>
             </a:pPr>
             <a:r>
-              <a:rPr lang="pt-BR"/>
-              <a:t>Segundo nível</a:t>
+              <a:rPr/>
+              <a:t>Второй уровень</a:t>
             </a:r>
             <a:endParaRPr/>
           </a:p>
@@ -3524,8 +4506,8 @@
               <a:defRPr/>
             </a:pPr>
             <a:r>
-              <a:rPr lang="pt-BR"/>
-              <a:t>Terceiro nível</a:t>
+              <a:rPr/>
+              <a:t>Третий уровень</a:t>
             </a:r>
             <a:endParaRPr/>
           </a:p>
@@ -3534,8 +4516,8 @@
               <a:defRPr/>
             </a:pPr>
             <a:r>
-              <a:rPr lang="pt-BR"/>
-              <a:t>Quarto nível</a:t>
+              <a:rPr/>
+              <a:t>Четвертый уровень</a:t>
             </a:r>
             <a:endParaRPr/>
           </a:p>
@@ -3544,16 +4526,16 @@
               <a:defRPr/>
             </a:pPr>
             <a:r>
-              <a:rPr lang="pt-BR"/>
-              <a:t>Quinto nível</a:t>
-            </a:r>
-            <a:endParaRPr lang="pt-BR"/>
-          </a:p>
-        </p:txBody>
-      </p:sp>
-      <p:sp>
-        <p:nvSpPr>
-          <p:cNvPr id="4" name="Marcador de Posição da Data 3"/>
+              <a:rPr/>
+              <a:t>Пятый уровень</a:t>
+            </a:r>
+            <a:endParaRPr/>
+          </a:p>
+        </p:txBody>
+      </p:sp>
+      <p:sp>
+        <p:nvSpPr>
+          <p:cNvPr id="4" name="Дата 3"/>
           <p:cNvSpPr>
             <a:spLocks noGrp="1"/>
           </p:cNvSpPr>
@@ -3563,8 +4545,8 @@
         </p:nvSpPr>
         <p:spPr bwMode="auto">
           <a:xfrm>
-            <a:off x="838200" y="6356350"/>
-            <a:ext cx="2743200" cy="365125"/>
+            <a:off x="609599" y="6356351"/>
+            <a:ext cx="2844799" cy="365125"/>
           </a:xfrm>
           <a:prstGeom prst="rect">
             <a:avLst/>
@@ -3587,17 +4569,17 @@
             <a:pPr>
               <a:defRPr/>
             </a:pPr>
-            <a:fld id="{BCC18F51-09EC-435C-A3BA-64A766E099C0}" type="datetimeFigureOut">
-              <a:rPr lang="pt-BR"/>
-              <a:t>30.10.2013</a:t>
+            <a:fld id="{A69D51E0-3758-456B-809F-07B187805C7D}" type="datetimeFigureOut">
+              <a:rPr/>
+              <a:t>22.10.2013</a:t>
             </a:fld>
-            <a:endParaRPr lang="pt-BR"/>
-          </a:p>
-        </p:txBody>
-      </p:sp>
-      <p:sp>
-        <p:nvSpPr>
-          <p:cNvPr id="5" name="Marcador de Posição do Rodapé 4"/>
+            <a:endParaRPr/>
+          </a:p>
+        </p:txBody>
+      </p:sp>
+      <p:sp>
+        <p:nvSpPr>
+          <p:cNvPr id="5" name="Нижний колонтитул 4"/>
           <p:cNvSpPr>
             <a:spLocks noGrp="1"/>
           </p:cNvSpPr>
@@ -3607,8 +4589,8 @@
         </p:nvSpPr>
         <p:spPr bwMode="auto">
           <a:xfrm>
-            <a:off x="4038600" y="6356350"/>
-            <a:ext cx="4114800" cy="365125"/>
+            <a:off x="4165599" y="6356351"/>
+            <a:ext cx="3860799" cy="365125"/>
           </a:xfrm>
           <a:prstGeom prst="rect">
             <a:avLst/>
@@ -3631,13 +4613,13 @@
             <a:pPr>
               <a:defRPr/>
             </a:pPr>
-            <a:endParaRPr lang="pt-BR"/>
-          </a:p>
-        </p:txBody>
-      </p:sp>
-      <p:sp>
-        <p:nvSpPr>
-          <p:cNvPr id="6" name="Marcador de Posição do Número do Diapositivo 5"/>
+            <a:endParaRPr/>
+          </a:p>
+        </p:txBody>
+      </p:sp>
+      <p:sp>
+        <p:nvSpPr>
+          <p:cNvPr id="6" name="Номер слайда 5"/>
           <p:cNvSpPr>
             <a:spLocks noGrp="1"/>
           </p:cNvSpPr>
@@ -3647,8 +4629,8 @@
         </p:nvSpPr>
         <p:spPr bwMode="auto">
           <a:xfrm>
-            <a:off x="8610600" y="6356350"/>
-            <a:ext cx="2743200" cy="365125"/>
+            <a:off x="8737599" y="6356351"/>
+            <a:ext cx="2844799" cy="365125"/>
           </a:xfrm>
           <a:prstGeom prst="rect">
             <a:avLst/>
@@ -3671,11 +4653,11 @@
             <a:pPr>
               <a:defRPr/>
             </a:pPr>
-            <a:fld id="{08395586-F03A-48D1-94DF-16B239DF4FB5}" type="slidenum">
-              <a:rPr lang="pt-BR"/>
+            <a:fld id="{4D3B38E7-149F-4D77-9EEF-9309C2CB69A9}" type="slidenum">
+              <a:rPr/>
               <a:t>‹#›</a:t>
             </a:fld>
-            <a:endParaRPr lang="pt-BR"/>
+            <a:endParaRPr/>
           </a:p>
         </p:txBody>
       </p:sp>
@@ -3697,17 +4679,17 @@
   </p:sldLayoutIdLst>
   <p:txStyles>
     <p:titleStyle>
-      <a:lvl1pPr algn="l" defTabSz="914400">
-        <a:lnSpc>
-          <a:spcPct val="90000"/>
-        </a:lnSpc>
+      <a:lvl1pPr algn="r" defTabSz="914400">
         <a:spcBef>
           <a:spcPts val="0"/>
         </a:spcBef>
         <a:buNone/>
         <a:defRPr sz="4400">
           <a:solidFill>
-            <a:schemeClr val="tx1"/>
+            <a:schemeClr val="tx1">
+              <a:lumMod val="65000"/>
+              <a:lumOff val="35000"/>
+            </a:schemeClr>
           </a:solidFill>
           <a:latin typeface="+mj-lt"/>
           <a:ea typeface="+mj-ea"/>
@@ -3716,36 +4698,36 @@
       </a:lvl1pPr>
     </p:titleStyle>
     <p:bodyStyle>
-      <a:lvl1pPr marL="228600" indent="-228600" algn="l" defTabSz="914400">
-        <a:lnSpc>
-          <a:spcPct val="90000"/>
-        </a:lnSpc>
+      <a:lvl1pPr marL="342900" indent="-342900" algn="l" defTabSz="914400">
         <a:spcBef>
-          <a:spcPts val="1000"/>
+          <a:spcPts val="0"/>
         </a:spcBef>
         <a:buFont typeface="Arial"/>
         <a:buChar char="•"/>
-        <a:defRPr sz="2800">
+        <a:defRPr sz="3200">
           <a:solidFill>
-            <a:schemeClr val="tx1"/>
+            <a:schemeClr val="tx1">
+              <a:lumMod val="75000"/>
+              <a:lumOff val="25000"/>
+            </a:schemeClr>
           </a:solidFill>
           <a:latin typeface="+mn-lt"/>
           <a:ea typeface="+mn-ea"/>
           <a:cs typeface="+mn-cs"/>
         </a:defRPr>
       </a:lvl1pPr>
-      <a:lvl2pPr marL="685800" indent="-228600" algn="l" defTabSz="914400">
-        <a:lnSpc>
-          <a:spcPct val="90000"/>
-        </a:lnSpc>
+      <a:lvl2pPr marL="742950" indent="-285750" algn="l" defTabSz="914400">
         <a:spcBef>
-          <a:spcPts val="500"/>
+          <a:spcPts val="0"/>
         </a:spcBef>
         <a:buFont typeface="Arial"/>
-        <a:buChar char="•"/>
-        <a:defRPr sz="2400">
+        <a:buChar char="–"/>
+        <a:defRPr sz="2800">
           <a:solidFill>
-            <a:schemeClr val="tx1"/>
+            <a:schemeClr val="tx1">
+              <a:lumMod val="75000"/>
+              <a:lumOff val="25000"/>
+            </a:schemeClr>
           </a:solidFill>
           <a:latin typeface="+mn-lt"/>
           <a:ea typeface="+mn-ea"/>
@@ -3753,11 +4735,62 @@
         </a:defRPr>
       </a:lvl2pPr>
       <a:lvl3pPr marL="1143000" indent="-228600" algn="l" defTabSz="914400">
-        <a:lnSpc>
-          <a:spcPct val="90000"/>
-        </a:lnSpc>
         <a:spcBef>
-          <a:spcPts val="500"/>
+          <a:spcPts val="0"/>
+        </a:spcBef>
+        <a:buFont typeface="Arial"/>
+        <a:buChar char="•"/>
+        <a:defRPr sz="2400">
+          <a:solidFill>
+            <a:schemeClr val="tx1">
+              <a:lumMod val="75000"/>
+              <a:lumOff val="25000"/>
+            </a:schemeClr>
+          </a:solidFill>
+          <a:latin typeface="+mn-lt"/>
+          <a:ea typeface="+mn-ea"/>
+          <a:cs typeface="+mn-cs"/>
+        </a:defRPr>
+      </a:lvl3pPr>
+      <a:lvl4pPr marL="1600200" indent="-228600" algn="l" defTabSz="914400">
+        <a:spcBef>
+          <a:spcPts val="0"/>
+        </a:spcBef>
+        <a:buFont typeface="Arial"/>
+        <a:buChar char="–"/>
+        <a:defRPr sz="2000">
+          <a:solidFill>
+            <a:schemeClr val="tx1">
+              <a:lumMod val="75000"/>
+              <a:lumOff val="25000"/>
+            </a:schemeClr>
+          </a:solidFill>
+          <a:latin typeface="+mn-lt"/>
+          <a:ea typeface="+mn-ea"/>
+          <a:cs typeface="+mn-cs"/>
+        </a:defRPr>
+      </a:lvl4pPr>
+      <a:lvl5pPr marL="2057400" indent="-228600" algn="l" defTabSz="914400">
+        <a:spcBef>
+          <a:spcPts val="0"/>
+        </a:spcBef>
+        <a:buFont typeface="Arial"/>
+        <a:buChar char="»"/>
+        <a:defRPr sz="2000">
+          <a:solidFill>
+            <a:schemeClr val="tx1">
+              <a:lumMod val="75000"/>
+              <a:lumOff val="25000"/>
+            </a:schemeClr>
+          </a:solidFill>
+          <a:latin typeface="+mn-lt"/>
+          <a:ea typeface="+mn-ea"/>
+          <a:cs typeface="+mn-cs"/>
+        </a:defRPr>
+      </a:lvl5pPr>
+      <a:lvl6pPr marL="2514599" indent="-228600" algn="l" defTabSz="914400">
+        <a:spcBef>
+          <a:spcPts val="0"/>
         </a:spcBef>
         <a:buFont typeface="Arial"/>
         <a:buChar char="•"/>
@@ -3769,71 +4802,14 @@
           <a:ea typeface="+mn-ea"/>
           <a:cs typeface="+mn-cs"/>
         </a:defRPr>
-      </a:lvl3pPr>
-      <a:lvl4pPr marL="1600200" indent="-228600" algn="l" defTabSz="914400">
-        <a:lnSpc>
-          <a:spcPct val="90000"/>
-        </a:lnSpc>
+      </a:lvl6pPr>
+      <a:lvl7pPr marL="2971800" indent="-228600" algn="l" defTabSz="914400">
         <a:spcBef>
-          <a:spcPts val="500"/>
+          <a:spcPts val="0"/>
         </a:spcBef>
         <a:buFont typeface="Arial"/>
         <a:buChar char="•"/>
-        <a:defRPr sz="1800">
-          <a:solidFill>
-            <a:schemeClr val="tx1"/>
-          </a:solidFill>
-          <a:latin typeface="+mn-lt"/>
-          <a:ea typeface="+mn-ea"/>
-          <a:cs typeface="+mn-cs"/>
-        </a:defRPr>
-      </a:lvl4pPr>
-      <a:lvl5pPr marL="2057400" indent="-228600" algn="l" defTabSz="914400">
-        <a:lnSpc>
-          <a:spcPct val="90000"/>
-        </a:lnSpc>
-        <a:spcBef>
-          <a:spcPts val="500"/>
-        </a:spcBef>
-        <a:buFont typeface="Arial"/>
-        <a:buChar char="•"/>
-        <a:defRPr sz="1800">
-          <a:solidFill>
-            <a:schemeClr val="tx1"/>
-          </a:solidFill>
-          <a:latin typeface="+mn-lt"/>
-          <a:ea typeface="+mn-ea"/>
-          <a:cs typeface="+mn-cs"/>
-        </a:defRPr>
-      </a:lvl5pPr>
-      <a:lvl6pPr marL="2514600" indent="-228600" algn="l" defTabSz="914400">
-        <a:lnSpc>
-          <a:spcPct val="90000"/>
-        </a:lnSpc>
-        <a:spcBef>
-          <a:spcPts val="500"/>
-        </a:spcBef>
-        <a:buFont typeface="Arial"/>
-        <a:buChar char="•"/>
-        <a:defRPr sz="1800">
-          <a:solidFill>
-            <a:schemeClr val="tx1"/>
-          </a:solidFill>
-          <a:latin typeface="+mn-lt"/>
-          <a:ea typeface="+mn-ea"/>
-          <a:cs typeface="+mn-cs"/>
-        </a:defRPr>
-      </a:lvl6pPr>
-      <a:lvl7pPr marL="2971800" indent="-228600" algn="l" defTabSz="914400">
-        <a:lnSpc>
-          <a:spcPct val="90000"/>
-        </a:lnSpc>
-        <a:spcBef>
-          <a:spcPts val="500"/>
-        </a:spcBef>
-        <a:buFont typeface="Arial"/>
-        <a:buChar char="•"/>
-        <a:defRPr sz="1800">
+        <a:defRPr sz="2000">
           <a:solidFill>
             <a:schemeClr val="tx1"/>
           </a:solidFill>
@@ -3843,15 +4819,12 @@
         </a:defRPr>
       </a:lvl7pPr>
       <a:lvl8pPr marL="3429000" indent="-228600" algn="l" defTabSz="914400">
-        <a:lnSpc>
-          <a:spcPct val="90000"/>
-        </a:lnSpc>
         <a:spcBef>
-          <a:spcPts val="500"/>
+          <a:spcPts val="0"/>
         </a:spcBef>
         <a:buFont typeface="Arial"/>
         <a:buChar char="•"/>
-        <a:defRPr sz="1800">
+        <a:defRPr sz="2000">
           <a:solidFill>
             <a:schemeClr val="tx1"/>
           </a:solidFill>
@@ -3861,15 +4834,12 @@
         </a:defRPr>
       </a:lvl8pPr>
       <a:lvl9pPr marL="3886200" indent="-228600" algn="l" defTabSz="914400">
-        <a:lnSpc>
-          <a:spcPct val="90000"/>
-        </a:lnSpc>
         <a:spcBef>
-          <a:spcPts val="500"/>
+          <a:spcPts val="0"/>
         </a:spcBef>
         <a:buFont typeface="Arial"/>
         <a:buChar char="•"/>
-        <a:defRPr sz="1800">
+        <a:defRPr sz="2000">
           <a:solidFill>
             <a:schemeClr val="tx1"/>
           </a:solidFill>
@@ -3881,7 +4851,7 @@
     </p:bodyStyle>
     <p:otherStyle>
       <a:defPPr>
-        <a:defRPr lang="pt-BR"/>
+        <a:defRPr/>
       </a:defPPr>
       <a:lvl1pPr marL="0" algn="l" defTabSz="914400">
         <a:defRPr sz="1800">
@@ -4050,20 +5020,131 @@
   </p:clrMapOvr>
   <mc:AlternateContent xmlns:mc="http://schemas.openxmlformats.org/markup-compatibility/2006">
     <mc:Choice xmlns:p159="http://schemas.microsoft.com/office/powerpoint/2015/09/main" xmlns:p14="http://schemas.microsoft.com/office/powerpoint/2010/main" Requires="p159">
-      <p:transition spd="slow" p14:dur="2000" advClick="1">
-        <p:fade thruBlk="0"/>
-      </p:transition>
+      <p:transition p14:dur="2000" advClick="1"/>
     </mc:Choice>
     <mc:Fallback>
-      <p:transition spd="slow" advClick="1">
-        <p:fade thruBlk="0"/>
-      </p:transition>
+      <p:transition advClick="1"/>
     </mc:Fallback>
   </mc:AlternateContent>
 </p:sld>
 </file>
 
 <file path=ppt/slides/slide2.xml><?xml version="1.0" encoding="utf-8"?>
+<p:sld xmlns:a="http://schemas.openxmlformats.org/drawingml/2006/main" xmlns:r="http://schemas.openxmlformats.org/officeDocument/2006/relationships" xmlns:p="http://schemas.openxmlformats.org/presentationml/2006/main" xmlns:m="http://schemas.openxmlformats.org/officeDocument/2006/math" xmlns:w="http://schemas.openxmlformats.org/wordprocessingml/2006/main" showMasterPhAnim="0" show="1">
+  <p:cSld name="">
+    <p:spTree>
+      <p:nvGrpSpPr>
+        <p:cNvPr id="1" name=""/>
+        <p:cNvGrpSpPr/>
+        <p:nvPr/>
+      </p:nvGrpSpPr>
+      <p:grpSpPr bwMode="auto">
+        <a:xfrm>
+          <a:off x="0" y="0"/>
+          <a:ext cx="0" cy="0"/>
+          <a:chOff x="0" y="0"/>
+          <a:chExt cx="0" cy="0"/>
+        </a:xfrm>
+      </p:grpSpPr>
+      <p:sp>
+        <p:nvSpPr>
+          <p:cNvPr id="1732360056" name="Título 1"/>
+          <p:cNvSpPr>
+            <a:spLocks noGrp="1"/>
+          </p:cNvSpPr>
+          <p:nvPr>
+            <p:ph type="title"/>
+          </p:nvPr>
+        </p:nvSpPr>
+        <p:spPr bwMode="auto"/>
+        <p:txBody>
+          <a:bodyPr/>
+          <a:lstStyle/>
+          <a:p>
+            <a:pPr>
+              <a:defRPr/>
+            </a:pPr>
+            <a:r>
+              <a:rPr/>
+              <a:t>Objetivos</a:t>
+            </a:r>
+            <a:endParaRPr/>
+          </a:p>
+        </p:txBody>
+      </p:sp>
+      <p:sp>
+        <p:nvSpPr>
+          <p:cNvPr id="1732328764" name="Marcador de Posição de Conteúdo 2"/>
+          <p:cNvSpPr>
+            <a:spLocks noGrp="1"/>
+          </p:cNvSpPr>
+          <p:nvPr>
+            <p:ph idx="1"/>
+          </p:nvPr>
+        </p:nvSpPr>
+        <p:spPr bwMode="auto"/>
+        <p:txBody>
+          <a:bodyPr/>
+          <a:lstStyle/>
+          <a:p>
+            <a:pPr>
+              <a:defRPr/>
+            </a:pPr>
+            <a:r>
+              <a:rPr/>
+              <a:t>Cadastro de animais</a:t>
+            </a:r>
+            <a:endParaRPr/>
+          </a:p>
+          <a:p>
+            <a:pPr>
+              <a:defRPr/>
+            </a:pPr>
+            <a:r>
+              <a:rPr/>
+              <a:t>Acessar dados dos animais</a:t>
+            </a:r>
+            <a:endParaRPr/>
+          </a:p>
+          <a:p>
+            <a:pPr>
+              <a:defRPr/>
+            </a:pPr>
+            <a:r>
+              <a:rPr/>
+              <a:t>Analise financeira</a:t>
+            </a:r>
+            <a:endParaRPr/>
+          </a:p>
+          <a:p>
+            <a:pPr>
+              <a:defRPr/>
+            </a:pPr>
+            <a:r>
+              <a:rPr/>
+              <a:t>Cadastro de entrada e saída</a:t>
+            </a:r>
+            <a:endParaRPr/>
+          </a:p>
+        </p:txBody>
+      </p:sp>
+    </p:spTree>
+  </p:cSld>
+  <p:clrMapOvr>
+    <a:masterClrMapping/>
+  </p:clrMapOvr>
+  <mc:AlternateContent xmlns:mc="http://schemas.openxmlformats.org/markup-compatibility/2006">
+    <mc:Choice xmlns:p159="http://schemas.microsoft.com/office/powerpoint/2015/09/main" xmlns:p14="http://schemas.microsoft.com/office/powerpoint/2010/main" Requires="p159">
+      <p:transition p14:dur="2000" advClick="1"/>
+    </mc:Choice>
+    <mc:Fallback>
+      <p:transition advClick="1"/>
+    </mc:Fallback>
+  </mc:AlternateContent>
+</p:sld>
+</file>
+
+<file path=ppt/slides/slide3.xml><?xml version="1.0" encoding="utf-8"?>
 <p:sld xmlns:a="http://schemas.openxmlformats.org/drawingml/2006/main" xmlns:r="http://schemas.openxmlformats.org/officeDocument/2006/relationships" xmlns:p="http://schemas.openxmlformats.org/presentationml/2006/main" xmlns:m="http://schemas.openxmlformats.org/officeDocument/2006/math" xmlns:w="http://schemas.openxmlformats.org/wordprocessingml/2006/main" showMasterPhAnim="0" show="1">
   <p:cSld name="">
     <p:spTree>
@@ -4153,20 +5234,16 @@
   </p:clrMapOvr>
   <mc:AlternateContent xmlns:mc="http://schemas.openxmlformats.org/markup-compatibility/2006">
     <mc:Choice xmlns:p159="http://schemas.microsoft.com/office/powerpoint/2015/09/main" xmlns:p14="http://schemas.microsoft.com/office/powerpoint/2010/main" Requires="p159">
-      <p:transition spd="slow" p14:dur="2000" advClick="1">
-        <p:fade thruBlk="0"/>
-      </p:transition>
+      <p:transition p14:dur="2000" advClick="1"/>
     </mc:Choice>
     <mc:Fallback>
-      <p:transition spd="slow" advClick="1">
-        <p:fade thruBlk="0"/>
-      </p:transition>
+      <p:transition advClick="1"/>
     </mc:Fallback>
   </mc:AlternateContent>
 </p:sld>
 </file>
 
-<file path=ppt/slides/slide3.xml><?xml version="1.0" encoding="utf-8"?>
+<file path=ppt/slides/slide4.xml><?xml version="1.0" encoding="utf-8"?>
 <p:sld xmlns:a="http://schemas.openxmlformats.org/drawingml/2006/main" xmlns:r="http://schemas.openxmlformats.org/officeDocument/2006/relationships" xmlns:p="http://schemas.openxmlformats.org/presentationml/2006/main" xmlns:m="http://schemas.openxmlformats.org/officeDocument/2006/math" xmlns:w="http://schemas.openxmlformats.org/wordprocessingml/2006/main" showMasterPhAnim="0" show="1">
   <p:cSld name="">
     <p:spTree>
@@ -4256,20 +5333,16 @@
   </p:clrMapOvr>
   <mc:AlternateContent xmlns:mc="http://schemas.openxmlformats.org/markup-compatibility/2006">
     <mc:Choice xmlns:p159="http://schemas.microsoft.com/office/powerpoint/2015/09/main" xmlns:p14="http://schemas.microsoft.com/office/powerpoint/2010/main" Requires="p159">
-      <p:transition spd="slow" p14:dur="2000" advClick="1">
-        <p:fade thruBlk="0"/>
-      </p:transition>
+      <p:transition p14:dur="2000" advClick="1"/>
     </mc:Choice>
     <mc:Fallback>
-      <p:transition spd="slow" advClick="1">
-        <p:fade thruBlk="0"/>
-      </p:transition>
+      <p:transition advClick="1"/>
     </mc:Fallback>
   </mc:AlternateContent>
 </p:sld>
 </file>
 
-<file path=ppt/slides/slide4.xml><?xml version="1.0" encoding="utf-8"?>
+<file path=ppt/slides/slide5.xml><?xml version="1.0" encoding="utf-8"?>
 <p:sld xmlns:a="http://schemas.openxmlformats.org/drawingml/2006/main" xmlns:r="http://schemas.openxmlformats.org/officeDocument/2006/relationships" xmlns:p="http://schemas.openxmlformats.org/presentationml/2006/main" xmlns:m="http://schemas.openxmlformats.org/officeDocument/2006/math" xmlns:w="http://schemas.openxmlformats.org/wordprocessingml/2006/main" showMasterPhAnim="0" show="1">
   <p:cSld name="">
     <p:spTree>
@@ -4359,20 +5432,16 @@
   </p:clrMapOvr>
   <mc:AlternateContent xmlns:mc="http://schemas.openxmlformats.org/markup-compatibility/2006">
     <mc:Choice xmlns:p159="http://schemas.microsoft.com/office/powerpoint/2015/09/main" xmlns:p14="http://schemas.microsoft.com/office/powerpoint/2010/main" Requires="p159">
-      <p:transition spd="slow" p14:dur="2000" advClick="1">
-        <p:fade thruBlk="0"/>
-      </p:transition>
+      <p:transition p14:dur="2000" advClick="1"/>
     </mc:Choice>
     <mc:Fallback>
-      <p:transition spd="slow" advClick="1">
-        <p:fade thruBlk="0"/>
-      </p:transition>
+      <p:transition advClick="1"/>
     </mc:Fallback>
   </mc:AlternateContent>
 </p:sld>
 </file>
 
-<file path=ppt/slides/slide5.xml><?xml version="1.0" encoding="utf-8"?>
+<file path=ppt/slides/slide6.xml><?xml version="1.0" encoding="utf-8"?>
 <p:sld xmlns:a="http://schemas.openxmlformats.org/drawingml/2006/main" xmlns:r="http://schemas.openxmlformats.org/officeDocument/2006/relationships" xmlns:p="http://schemas.openxmlformats.org/presentationml/2006/main" xmlns:m="http://schemas.openxmlformats.org/officeDocument/2006/math" xmlns:w="http://schemas.openxmlformats.org/wordprocessingml/2006/main" showMasterPhAnim="0" show="1">
   <p:cSld name="">
     <p:spTree>
@@ -4462,23 +5531,19 @@
   </p:clrMapOvr>
   <mc:AlternateContent xmlns:mc="http://schemas.openxmlformats.org/markup-compatibility/2006">
     <mc:Choice xmlns:p159="http://schemas.microsoft.com/office/powerpoint/2015/09/main" xmlns:p14="http://schemas.microsoft.com/office/powerpoint/2010/main" Requires="p159">
-      <p:transition spd="slow" p14:dur="2000" advClick="1">
-        <p:fade thruBlk="0"/>
-      </p:transition>
+      <p:transition p14:dur="2000" advClick="1"/>
     </mc:Choice>
     <mc:Fallback>
-      <p:transition spd="slow" advClick="1">
-        <p:fade thruBlk="0"/>
-      </p:transition>
+      <p:transition advClick="1"/>
     </mc:Fallback>
   </mc:AlternateContent>
 </p:sld>
 </file>
 
 <file path=ppt/theme/theme1.xml><?xml version="1.0" encoding="utf-8"?>
-<a:theme xmlns:a="http://schemas.openxmlformats.org/drawingml/2006/main" xmlns:r="http://schemas.openxmlformats.org/officeDocument/2006/relationships" xmlns:p="http://schemas.openxmlformats.org/presentationml/2006/main" name="Office Theme">
+<a:theme xmlns:a="http://schemas.openxmlformats.org/drawingml/2006/main" xmlns:r="http://schemas.openxmlformats.org/officeDocument/2006/relationships" xmlns:p="http://schemas.openxmlformats.org/presentationml/2006/main" name="Turtle">
   <a:themeElements>
-    <a:clrScheme name="New Office">
+    <a:clrScheme name="Office">
       <a:dk1>
         <a:sysClr val="windowText" lastClr="000000"/>
       </a:dk1>
@@ -4486,37 +5551,37 @@
         <a:sysClr val="window" lastClr="FFFFFF"/>
       </a:lt1>
       <a:dk2>
-        <a:srgbClr val="44546A"/>
+        <a:srgbClr val="1F497D"/>
       </a:dk2>
       <a:lt2>
-        <a:srgbClr val="E7E6E6"/>
+        <a:srgbClr val="EEECE1"/>
       </a:lt2>
       <a:accent1>
-        <a:srgbClr val="5B9BD5"/>
+        <a:srgbClr val="4F81BD"/>
       </a:accent1>
       <a:accent2>
-        <a:srgbClr val="ED7D31"/>
+        <a:srgbClr val="C0504D"/>
       </a:accent2>
       <a:accent3>
-        <a:srgbClr val="A5A5A5"/>
+        <a:srgbClr val="9BBB59"/>
       </a:accent3>
       <a:accent4>
-        <a:srgbClr val="FFC000"/>
+        <a:srgbClr val="8064A2"/>
       </a:accent4>
       <a:accent5>
-        <a:srgbClr val="4472C4"/>
+        <a:srgbClr val="4BACC6"/>
       </a:accent5>
       <a:accent6>
-        <a:srgbClr val="70AD47"/>
+        <a:srgbClr val="F79646"/>
       </a:accent6>
       <a:hlink>
-        <a:srgbClr val="0563C1"/>
+        <a:srgbClr val="0000FF"/>
       </a:hlink>
       <a:folHlink>
-        <a:srgbClr val="954F72"/>
+        <a:srgbClr val="800080"/>
       </a:folHlink>
     </a:clrScheme>
-    <a:fontScheme name="Office Theme">
+    <a:fontScheme name="Классическая 2">
       <a:majorFont>
         <a:latin typeface="Arial"/>
         <a:ea typeface="Arial"/>
@@ -4528,7 +5593,7 @@
         <a:cs typeface="Arial"/>
       </a:minorFont>
     </a:fontScheme>
-    <a:fmtScheme name="Office Theme">
+    <a:fmtScheme name="Стандартная">
       <a:fillStyleLst>
         <a:solidFill>
           <a:schemeClr val="phClr"/>
@@ -4537,76 +5602,70 @@
           <a:gsLst>
             <a:gs pos="0">
               <a:schemeClr val="phClr">
-                <a:lumMod val="110000"/>
-                <a:satMod val="105000"/>
-                <a:tint val="67000"/>
+                <a:tint val="50000"/>
+                <a:satMod val="300000"/>
               </a:schemeClr>
             </a:gs>
-            <a:gs pos="50000">
+            <a:gs pos="35000">
               <a:schemeClr val="phClr">
-                <a:lumMod val="105000"/>
-                <a:satMod val="103000"/>
-                <a:tint val="73000"/>
+                <a:tint val="37000"/>
+                <a:satMod val="300000"/>
               </a:schemeClr>
             </a:gs>
             <a:gs pos="100000">
               <a:schemeClr val="phClr">
-                <a:lumMod val="105000"/>
-                <a:satMod val="109000"/>
-                <a:tint val="81000"/>
+                <a:tint val="15000"/>
+                <a:satMod val="350000"/>
               </a:schemeClr>
             </a:gs>
           </a:gsLst>
-          <a:lin ang="5400000" scaled="0"/>
+          <a:lin ang="16200000" scaled="1"/>
         </a:gradFill>
         <a:gradFill>
           <a:gsLst>
             <a:gs pos="0">
               <a:schemeClr val="phClr">
-                <a:satMod val="103000"/>
-                <a:lumMod val="102000"/>
-                <a:tint val="94000"/>
+                <a:shade val="51000"/>
+                <a:satMod val="130000"/>
               </a:schemeClr>
             </a:gs>
-            <a:gs pos="50000">
+            <a:gs pos="80000">
               <a:schemeClr val="phClr">
-                <a:satMod val="110000"/>
-                <a:lumMod val="100000"/>
-                <a:shade val="100000"/>
+                <a:shade val="93000"/>
+                <a:satMod val="130000"/>
               </a:schemeClr>
             </a:gs>
             <a:gs pos="100000">
               <a:schemeClr val="phClr">
-                <a:lumMod val="99000"/>
-                <a:satMod val="120000"/>
-                <a:shade val="78000"/>
+                <a:shade val="94000"/>
+                <a:satMod val="135000"/>
               </a:schemeClr>
             </a:gs>
           </a:gsLst>
-          <a:lin ang="5400000" scaled="0"/>
+          <a:lin ang="16200000" scaled="0"/>
         </a:gradFill>
       </a:fillStyleLst>
       <a:lnStyleLst>
-        <a:ln w="6350" cap="flat" cmpd="sng" algn="ctr">
+        <a:ln w="9525" cap="flat" cmpd="sng" algn="ctr">
+          <a:solidFill>
+            <a:schemeClr val="phClr">
+              <a:shade val="95000"/>
+              <a:satMod val="105000"/>
+            </a:schemeClr>
+          </a:solidFill>
+          <a:prstDash val="solid"/>
+        </a:ln>
+        <a:ln w="25400" cap="flat" cmpd="sng" algn="ctr">
           <a:solidFill>
             <a:schemeClr val="phClr"/>
           </a:solidFill>
           <a:prstDash val="solid"/>
-          <a:miter lim="800000"/>
         </a:ln>
-        <a:ln w="12700" cap="flat" cmpd="sng" algn="ctr">
+        <a:ln w="38100" cap="flat" cmpd="sng" algn="ctr">
           <a:solidFill>
             <a:schemeClr val="phClr"/>
           </a:solidFill>
           <a:prstDash val="solid"/>
-          <a:miter lim="800000"/>
-        </a:ln>
-        <a:ln w="19050" cap="flat" cmpd="sng" algn="ctr">
-          <a:solidFill>
-            <a:schemeClr val="phClr"/>
-          </a:solidFill>
-          <a:prstDash val="solid"/>
-          <a:miter lim="800000"/>
         </a:ln>
       </a:lnStyleLst>
       <a:effectStyleLst>
@@ -4642,38 +5701,46 @@
         <a:solidFill>
           <a:schemeClr val="phClr"/>
         </a:solidFill>
-        <a:solidFill>
-          <a:schemeClr val="phClr">
-            <a:tint val="95000"/>
-            <a:satMod val="170000"/>
-          </a:schemeClr>
-        </a:solidFill>
         <a:gradFill>
           <a:gsLst>
             <a:gs pos="0">
               <a:schemeClr val="phClr">
-                <a:tint val="93000"/>
-                <a:satMod val="150000"/>
-                <a:shade val="98000"/>
-                <a:lumMod val="102000"/>
+                <a:tint val="40000"/>
+                <a:satMod val="350000"/>
               </a:schemeClr>
             </a:gs>
-            <a:gs pos="50000">
+            <a:gs pos="40000">
               <a:schemeClr val="phClr">
-                <a:tint val="98000"/>
-                <a:satMod val="130000"/>
-                <a:shade val="90000"/>
-                <a:lumMod val="103000"/>
+                <a:tint val="45000"/>
+                <a:shade val="99000"/>
+                <a:satMod val="350000"/>
               </a:schemeClr>
             </a:gs>
             <a:gs pos="100000">
               <a:schemeClr val="phClr">
-                <a:shade val="63000"/>
-                <a:satMod val="120000"/>
+                <a:shade val="20000"/>
+                <a:satMod val="255000"/>
               </a:schemeClr>
             </a:gs>
           </a:gsLst>
-          <a:lin ang="5400000" scaled="0"/>
+          <a:path path="circle"/>
+        </a:gradFill>
+        <a:gradFill>
+          <a:gsLst>
+            <a:gs pos="0">
+              <a:schemeClr val="phClr">
+                <a:tint val="80000"/>
+                <a:satMod val="300000"/>
+              </a:schemeClr>
+            </a:gs>
+            <a:gs pos="100000">
+              <a:schemeClr val="phClr">
+                <a:shade val="30000"/>
+                <a:satMod val="200000"/>
+              </a:schemeClr>
+            </a:gs>
+          </a:gsLst>
+          <a:path path="circle"/>
         </a:gradFill>
       </a:bgFillStyleLst>
     </a:fmtScheme>
